--- a/INSTRUCTIONS.pptx
+++ b/INSTRUCTIONS.pptx
@@ -6,6 +6,7 @@
   </p:sldMasterIdLst>
   <p:sldIdLst>
     <p:sldId id="256" r:id="rId2"/>
+    <p:sldId id="257" r:id="rId3"/>
   </p:sldIdLst>
   <p:sldSz cx="12192000" cy="6858000"/>
   <p:notesSz cx="6858000" cy="9144000"/>
@@ -477,10 +478,236 @@
       </p:grpSpPr>
       <p:sp>
         <p:nvSpPr>
-          <p:cNvPr id="4" name="TextBox 3">
+          <p:cNvPr id="3" name="Rectangle: Rounded Corners 2">
             <a:extLst>
               <a:ext uri="{FF2B5EF4-FFF2-40B4-BE49-F238E27FC236}">
-                <a16:creationId xmlns:a16="http://schemas.microsoft.com/office/drawing/2014/main" id="{33AA2B0C-F824-412E-AD42-21E7FF75390A}"/>
+                <a16:creationId xmlns:a16="http://schemas.microsoft.com/office/drawing/2014/main" id="{96134A71-B00E-4CA5-8B42-D5FC5C4C2442}"/>
+              </a:ext>
+            </a:extLst>
+          </p:cNvPr>
+          <p:cNvSpPr/>
+          <p:nvPr/>
+        </p:nvSpPr>
+        <p:spPr>
+          <a:xfrm>
+            <a:off x="1539767" y="3324332"/>
+            <a:ext cx="2289283" cy="629920"/>
+          </a:xfrm>
+          <a:prstGeom prst="roundRect">
+            <a:avLst>
+              <a:gd name="adj" fmla="val 9409"/>
+            </a:avLst>
+          </a:prstGeom>
+          <a:noFill/>
+          <a:ln w="19050">
+            <a:solidFill>
+              <a:schemeClr val="tx1"/>
+            </a:solidFill>
+          </a:ln>
+        </p:spPr>
+        <p:style>
+          <a:lnRef idx="2">
+            <a:schemeClr val="accent1">
+              <a:shade val="50000"/>
+            </a:schemeClr>
+          </a:lnRef>
+          <a:fillRef idx="1">
+            <a:schemeClr val="accent1"/>
+          </a:fillRef>
+          <a:effectRef idx="0">
+            <a:schemeClr val="accent1"/>
+          </a:effectRef>
+          <a:fontRef idx="minor">
+            <a:schemeClr val="lt1"/>
+          </a:fontRef>
+        </p:style>
+        <p:txBody>
+          <a:bodyPr rtlCol="0" anchor="ctr"/>
+          <a:lstStyle/>
+          <a:p>
+            <a:pPr algn="ctr"/>
+            <a:r>
+              <a:rPr lang="en-US" sz="1600" b="1" dirty="0">
+                <a:solidFill>
+                  <a:schemeClr val="tx1"/>
+                </a:solidFill>
+                <a:latin typeface="Palatino Linotype" panose="02040502050505030304" pitchFamily="18" charset="0"/>
+                <a:ea typeface="楷体" panose="02010609060101010101" pitchFamily="49" charset="-122"/>
+              </a:rPr>
+              <a:t>./ROS/server_ros.py</a:t>
+            </a:r>
+          </a:p>
+        </p:txBody>
+      </p:sp>
+      <p:sp>
+        <p:nvSpPr>
+          <p:cNvPr id="5" name="Rectangle: Rounded Corners 4">
+            <a:extLst>
+              <a:ext uri="{FF2B5EF4-FFF2-40B4-BE49-F238E27FC236}">
+                <a16:creationId xmlns:a16="http://schemas.microsoft.com/office/drawing/2014/main" id="{2B9D2F40-4275-46CA-A206-8A49BEA8E2D3}"/>
+              </a:ext>
+            </a:extLst>
+          </p:cNvPr>
+          <p:cNvSpPr/>
+          <p:nvPr/>
+        </p:nvSpPr>
+        <p:spPr>
+          <a:xfrm>
+            <a:off x="6707503" y="3324332"/>
+            <a:ext cx="4358430" cy="629920"/>
+          </a:xfrm>
+          <a:prstGeom prst="roundRect">
+            <a:avLst>
+              <a:gd name="adj" fmla="val 9409"/>
+            </a:avLst>
+          </a:prstGeom>
+          <a:noFill/>
+          <a:ln w="19050">
+            <a:solidFill>
+              <a:schemeClr val="tx1"/>
+            </a:solidFill>
+          </a:ln>
+        </p:spPr>
+        <p:style>
+          <a:lnRef idx="2">
+            <a:schemeClr val="accent1">
+              <a:shade val="50000"/>
+            </a:schemeClr>
+          </a:lnRef>
+          <a:fillRef idx="1">
+            <a:schemeClr val="accent1"/>
+          </a:fillRef>
+          <a:effectRef idx="0">
+            <a:schemeClr val="accent1"/>
+          </a:effectRef>
+          <a:fontRef idx="minor">
+            <a:schemeClr val="lt1"/>
+          </a:fontRef>
+        </p:style>
+        <p:txBody>
+          <a:bodyPr rtlCol="0" anchor="ctr"/>
+          <a:lstStyle/>
+          <a:p>
+            <a:pPr algn="ctr"/>
+            <a:r>
+              <a:rPr lang="en-US" sz="1600" b="1" dirty="0">
+                <a:solidFill>
+                  <a:schemeClr val="tx1"/>
+                </a:solidFill>
+                <a:latin typeface="Palatino Linotype" panose="02040502050505030304" pitchFamily="18" charset="0"/>
+                <a:ea typeface="楷体" panose="02010609060101010101" pitchFamily="49" charset="-122"/>
+              </a:rPr>
+              <a:t>./MATLAB/</a:t>
+            </a:r>
+            <a:r>
+              <a:rPr lang="en-US" sz="1600" b="1" dirty="0" err="1">
+                <a:solidFill>
+                  <a:schemeClr val="tx1"/>
+                </a:solidFill>
+                <a:latin typeface="Palatino Linotype" panose="02040502050505030304" pitchFamily="18" charset="0"/>
+                <a:ea typeface="楷体" panose="02010609060101010101" pitchFamily="49" charset="-122"/>
+              </a:rPr>
+              <a:t>beam_control_with_LiDAR.m</a:t>
+            </a:r>
+            <a:endParaRPr lang="en-US" sz="1600" b="1" dirty="0">
+              <a:solidFill>
+                <a:schemeClr val="tx1"/>
+              </a:solidFill>
+              <a:latin typeface="Palatino Linotype" panose="02040502050505030304" pitchFamily="18" charset="0"/>
+              <a:ea typeface="楷体" panose="02010609060101010101" pitchFamily="49" charset="-122"/>
+            </a:endParaRPr>
+          </a:p>
+        </p:txBody>
+      </p:sp>
+      <p:sp>
+        <p:nvSpPr>
+          <p:cNvPr id="6" name="Rectangle: Rounded Corners 5">
+            <a:extLst>
+              <a:ext uri="{FF2B5EF4-FFF2-40B4-BE49-F238E27FC236}">
+                <a16:creationId xmlns:a16="http://schemas.microsoft.com/office/drawing/2014/main" id="{16B56F6D-9B3F-4CDE-9D8D-0538AF03B6A7}"/>
+              </a:ext>
+            </a:extLst>
+          </p:cNvPr>
+          <p:cNvSpPr/>
+          <p:nvPr/>
+        </p:nvSpPr>
+        <p:spPr>
+          <a:xfrm>
+            <a:off x="4638357" y="4105382"/>
+            <a:ext cx="1259840" cy="629920"/>
+          </a:xfrm>
+          <a:prstGeom prst="roundRect">
+            <a:avLst>
+              <a:gd name="adj" fmla="val 9409"/>
+            </a:avLst>
+          </a:prstGeom>
+          <a:noFill/>
+          <a:ln w="19050">
+            <a:solidFill>
+              <a:schemeClr val="tx1"/>
+            </a:solidFill>
+          </a:ln>
+        </p:spPr>
+        <p:style>
+          <a:lnRef idx="2">
+            <a:schemeClr val="accent1">
+              <a:shade val="50000"/>
+            </a:schemeClr>
+          </a:lnRef>
+          <a:fillRef idx="1">
+            <a:schemeClr val="accent1"/>
+          </a:fillRef>
+          <a:effectRef idx="0">
+            <a:schemeClr val="accent1"/>
+          </a:effectRef>
+          <a:fontRef idx="minor">
+            <a:schemeClr val="lt1"/>
+          </a:fontRef>
+        </p:style>
+        <p:txBody>
+          <a:bodyPr rtlCol="0" anchor="ctr"/>
+          <a:lstStyle/>
+          <a:p>
+            <a:pPr algn="ctr"/>
+            <a:r>
+              <a:rPr lang="en-US" sz="1600" b="1" dirty="0">
+                <a:solidFill>
+                  <a:schemeClr val="tx1"/>
+                </a:solidFill>
+                <a:latin typeface="Palatino Linotype" panose="02040502050505030304" pitchFamily="18" charset="0"/>
+                <a:ea typeface="楷体" panose="02010609060101010101" pitchFamily="49" charset="-122"/>
+              </a:rPr>
+              <a:t>./</a:t>
+            </a:r>
+            <a:r>
+              <a:rPr lang="en-US" altLang="zh-CN" sz="1600" b="1" dirty="0">
+                <a:solidFill>
+                  <a:schemeClr val="tx1"/>
+                </a:solidFill>
+                <a:latin typeface="Palatino Linotype" panose="02040502050505030304" pitchFamily="18" charset="0"/>
+                <a:ea typeface="楷体" panose="02010609060101010101" pitchFamily="49" charset="-122"/>
+              </a:rPr>
+              <a:t>client</a:t>
+            </a:r>
+            <a:r>
+              <a:rPr lang="en-US" sz="1600" b="1" dirty="0">
+                <a:solidFill>
+                  <a:schemeClr val="tx1"/>
+                </a:solidFill>
+                <a:latin typeface="Palatino Linotype" panose="02040502050505030304" pitchFamily="18" charset="0"/>
+                <a:ea typeface="楷体" panose="02010609060101010101" pitchFamily="49" charset="-122"/>
+              </a:rPr>
+              <a:t>.py</a:t>
+            </a:r>
+          </a:p>
+        </p:txBody>
+      </p:sp>
+      <p:sp>
+        <p:nvSpPr>
+          <p:cNvPr id="8" name="TextBox 7">
+            <a:extLst>
+              <a:ext uri="{FF2B5EF4-FFF2-40B4-BE49-F238E27FC236}">
+                <a16:creationId xmlns:a16="http://schemas.microsoft.com/office/drawing/2014/main" id="{02C53107-F639-4038-8403-0D7E58F55D7F}"/>
               </a:ext>
             </a:extLst>
           </p:cNvPr>
@@ -489,8 +716,8 @@
         </p:nvSpPr>
         <p:spPr>
           <a:xfrm>
-            <a:off x="1772433" y="1521912"/>
-            <a:ext cx="1127342" cy="369332"/>
+            <a:off x="9494096" y="2003521"/>
+            <a:ext cx="809838" cy="338554"/>
           </a:xfrm>
           <a:prstGeom prst="rect">
             <a:avLst/>
@@ -498,36 +725,681 @@
           <a:noFill/>
         </p:spPr>
         <p:txBody>
-          <a:bodyPr wrap="square" rtlCol="0">
+          <a:bodyPr wrap="square">
             <a:spAutoFit/>
           </a:bodyPr>
           <a:lstStyle/>
           <a:p>
-            <a:r>
-              <a:rPr lang="en-US" altLang="zh-CN" dirty="0">
-                <a:latin typeface="Palatino Linotype" panose="02040502050505030304" pitchFamily="18" charset="0"/>
-                <a:ea typeface="楷体" panose="02010609060101010101" pitchFamily="49" charset="-122"/>
-              </a:rPr>
-              <a:t>Ss</a:t>
-            </a:r>
-            <a:r>
-              <a:rPr lang="zh-CN" altLang="en-US" dirty="0">
-                <a:latin typeface="Palatino Linotype" panose="02040502050505030304" pitchFamily="18" charset="0"/>
-                <a:ea typeface="楷体" panose="02010609060101010101" pitchFamily="49" charset="-122"/>
-              </a:rPr>
-              <a:t>你好</a:t>
-            </a:r>
-            <a:r>
-              <a:rPr lang="en-US" altLang="zh-CN" dirty="0">
-                <a:latin typeface="Palatino Linotype" panose="02040502050505030304" pitchFamily="18" charset="0"/>
-                <a:ea typeface="楷体" panose="02010609060101010101" pitchFamily="49" charset="-122"/>
-              </a:rPr>
-              <a:t>s</a:t>
-            </a:r>
-            <a:endParaRPr lang="en-US" dirty="0">
-              <a:latin typeface="Palatino Linotype" panose="02040502050505030304" pitchFamily="18" charset="0"/>
-              <a:ea typeface="楷体" panose="02010609060101010101" pitchFamily="49" charset="-122"/>
+            <a:pPr algn="ctr"/>
+            <a:r>
+              <a:rPr lang="en-US" altLang="zh-CN" sz="1600" dirty="0">
+                <a:solidFill>
+                  <a:schemeClr val="tx1"/>
+                </a:solidFill>
+                <a:latin typeface="Palatino Linotype" panose="02040502050505030304" pitchFamily="18" charset="0"/>
+                <a:ea typeface="楷体" panose="02010609060101010101" pitchFamily="49" charset="-122"/>
+              </a:rPr>
+              <a:t>Client</a:t>
+            </a:r>
+            <a:endParaRPr lang="en-US" sz="1600" dirty="0"/>
+          </a:p>
+        </p:txBody>
+      </p:sp>
+      <p:sp>
+        <p:nvSpPr>
+          <p:cNvPr id="9" name="TextBox 8">
+            <a:extLst>
+              <a:ext uri="{FF2B5EF4-FFF2-40B4-BE49-F238E27FC236}">
+                <a16:creationId xmlns:a16="http://schemas.microsoft.com/office/drawing/2014/main" id="{9209E88A-D363-4311-A526-1E10748255A9}"/>
+              </a:ext>
+            </a:extLst>
+          </p:cNvPr>
+          <p:cNvSpPr txBox="1"/>
+          <p:nvPr/>
+        </p:nvSpPr>
+        <p:spPr>
+          <a:xfrm>
+            <a:off x="7967344" y="2003521"/>
+            <a:ext cx="809838" cy="338554"/>
+          </a:xfrm>
+          <a:prstGeom prst="rect">
+            <a:avLst/>
+          </a:prstGeom>
+          <a:noFill/>
+        </p:spPr>
+        <p:txBody>
+          <a:bodyPr wrap="square">
+            <a:spAutoFit/>
+          </a:bodyPr>
+          <a:lstStyle/>
+          <a:p>
+            <a:pPr algn="ctr"/>
+            <a:r>
+              <a:rPr lang="en-US" altLang="zh-CN" sz="1600" dirty="0">
+                <a:solidFill>
+                  <a:schemeClr val="tx1"/>
+                </a:solidFill>
+                <a:latin typeface="Palatino Linotype" panose="02040502050505030304" pitchFamily="18" charset="0"/>
+                <a:ea typeface="楷体" panose="02010609060101010101" pitchFamily="49" charset="-122"/>
+              </a:rPr>
+              <a:t>Server</a:t>
+            </a:r>
+            <a:endParaRPr lang="en-US" sz="1600" dirty="0"/>
+          </a:p>
+        </p:txBody>
+      </p:sp>
+      <p:sp>
+        <p:nvSpPr>
+          <p:cNvPr id="10" name="TextBox 9">
+            <a:extLst>
+              <a:ext uri="{FF2B5EF4-FFF2-40B4-BE49-F238E27FC236}">
+                <a16:creationId xmlns:a16="http://schemas.microsoft.com/office/drawing/2014/main" id="{81AF5075-6DFF-4F09-AD1B-942B68AAF347}"/>
+              </a:ext>
+            </a:extLst>
+          </p:cNvPr>
+          <p:cNvSpPr txBox="1"/>
+          <p:nvPr/>
+        </p:nvSpPr>
+        <p:spPr>
+          <a:xfrm>
+            <a:off x="701463" y="534199"/>
+            <a:ext cx="4497070" cy="369332"/>
+          </a:xfrm>
+          <a:prstGeom prst="rect">
+            <a:avLst/>
+          </a:prstGeom>
+          <a:noFill/>
+        </p:spPr>
+        <p:txBody>
+          <a:bodyPr wrap="square">
+            <a:spAutoFit/>
+          </a:bodyPr>
+          <a:lstStyle/>
+          <a:p>
+            <a:r>
+              <a:rPr lang="en-US" altLang="zh-CN" b="1" dirty="0">
+                <a:solidFill>
+                  <a:schemeClr val="tx1"/>
+                </a:solidFill>
+                <a:latin typeface="Palatino Linotype" panose="02040502050505030304" pitchFamily="18" charset="0"/>
+                <a:ea typeface="楷体" panose="02010609060101010101" pitchFamily="49" charset="-122"/>
+              </a:rPr>
+              <a:t>Tracking with LiDAR</a:t>
+            </a:r>
+            <a:endParaRPr lang="en-US" b="1" dirty="0"/>
+          </a:p>
+        </p:txBody>
+      </p:sp>
+      <p:sp>
+        <p:nvSpPr>
+          <p:cNvPr id="11" name="TextBox 10">
+            <a:extLst>
+              <a:ext uri="{FF2B5EF4-FFF2-40B4-BE49-F238E27FC236}">
+                <a16:creationId xmlns:a16="http://schemas.microsoft.com/office/drawing/2014/main" id="{06A275DD-53A1-44EE-B536-098ADDD54646}"/>
+              </a:ext>
+            </a:extLst>
+          </p:cNvPr>
+          <p:cNvSpPr txBox="1"/>
+          <p:nvPr/>
+        </p:nvSpPr>
+        <p:spPr>
+          <a:xfrm>
+            <a:off x="811045" y="1092777"/>
+            <a:ext cx="6212055" cy="1723549"/>
+          </a:xfrm>
+          <a:prstGeom prst="rect">
+            <a:avLst/>
+          </a:prstGeom>
+          <a:noFill/>
+        </p:spPr>
+        <p:txBody>
+          <a:bodyPr wrap="square">
+            <a:spAutoFit/>
+          </a:bodyPr>
+          <a:lstStyle/>
+          <a:p>
+            <a:pPr marL="342900" indent="-342900">
+              <a:spcBef>
+                <a:spcPts val="300"/>
+              </a:spcBef>
+              <a:spcAft>
+                <a:spcPts val="300"/>
+              </a:spcAft>
+              <a:buFont typeface="+mj-lt"/>
+              <a:buAutoNum type="arabicPeriod"/>
+            </a:pPr>
+            <a:r>
+              <a:rPr lang="en-US" altLang="zh-CN" sz="1600" b="1" dirty="0">
+                <a:solidFill>
+                  <a:schemeClr val="tx1"/>
+                </a:solidFill>
+                <a:latin typeface="Palatino Linotype" panose="02040502050505030304" pitchFamily="18" charset="0"/>
+                <a:ea typeface="楷体" panose="02010609060101010101" pitchFamily="49" charset="-122"/>
+              </a:rPr>
+              <a:t>./server.py </a:t>
+            </a:r>
+            <a:r>
+              <a:rPr lang="en-US" altLang="zh-CN" sz="1600" dirty="0">
+                <a:latin typeface="Palatino Linotype" panose="02040502050505030304" pitchFamily="18" charset="0"/>
+                <a:ea typeface="楷体" panose="02010609060101010101" pitchFamily="49" charset="-122"/>
+              </a:rPr>
+              <a:t>:</a:t>
+            </a:r>
+            <a:r>
+              <a:rPr lang="zh-CN" altLang="en-US" sz="1600" dirty="0">
+                <a:latin typeface="Palatino Linotype" panose="02040502050505030304" pitchFamily="18" charset="0"/>
+                <a:ea typeface="楷体" panose="02010609060101010101" pitchFamily="49" charset="-122"/>
+              </a:rPr>
+              <a:t> </a:t>
+            </a:r>
+            <a:r>
+              <a:rPr lang="en-US" altLang="zh-CN" sz="1600" dirty="0">
+                <a:latin typeface="Palatino Linotype" panose="02040502050505030304" pitchFamily="18" charset="0"/>
+                <a:ea typeface="楷体" panose="02010609060101010101" pitchFamily="49" charset="-122"/>
+              </a:rPr>
+              <a:t>sends LiDAR point cloud to </a:t>
+            </a:r>
+            <a:r>
+              <a:rPr lang="en-US" altLang="zh-CN" sz="1600" b="1" dirty="0">
+                <a:solidFill>
+                  <a:schemeClr val="tx1"/>
+                </a:solidFill>
+                <a:latin typeface="Palatino Linotype" panose="02040502050505030304" pitchFamily="18" charset="0"/>
+                <a:ea typeface="楷体" panose="02010609060101010101" pitchFamily="49" charset="-122"/>
+              </a:rPr>
+              <a:t>./client.py</a:t>
+            </a:r>
+            <a:r>
+              <a:rPr lang="en-US" altLang="zh-CN" sz="1600" dirty="0">
+                <a:latin typeface="Palatino Linotype" panose="02040502050505030304" pitchFamily="18" charset="0"/>
+                <a:ea typeface="楷体" panose="02010609060101010101" pitchFamily="49" charset="-122"/>
+              </a:rPr>
+              <a:t>. A practical version is </a:t>
+            </a:r>
+            <a:r>
+              <a:rPr lang="en-US" altLang="zh-CN" sz="1600" b="1" dirty="0">
+                <a:latin typeface="Palatino Linotype" panose="02040502050505030304" pitchFamily="18" charset="0"/>
+                <a:ea typeface="楷体" panose="02010609060101010101" pitchFamily="49" charset="-122"/>
+              </a:rPr>
+              <a:t>./ROS/server_ros.py</a:t>
+            </a:r>
+            <a:r>
+              <a:rPr lang="en-US" altLang="zh-CN" sz="1600" dirty="0">
+                <a:latin typeface="Palatino Linotype" panose="02040502050505030304" pitchFamily="18" charset="0"/>
+                <a:ea typeface="楷体" panose="02010609060101010101" pitchFamily="49" charset="-122"/>
+              </a:rPr>
+              <a:t>.</a:t>
+            </a:r>
+          </a:p>
+          <a:p>
+            <a:pPr marL="342900" indent="-342900">
+              <a:spcBef>
+                <a:spcPts val="300"/>
+              </a:spcBef>
+              <a:spcAft>
+                <a:spcPts val="300"/>
+              </a:spcAft>
+              <a:buFont typeface="+mj-lt"/>
+              <a:buAutoNum type="arabicPeriod"/>
+            </a:pPr>
+            <a:r>
+              <a:rPr lang="en-US" altLang="zh-CN" sz="1600" b="1" dirty="0">
+                <a:solidFill>
+                  <a:schemeClr val="tx1"/>
+                </a:solidFill>
+                <a:latin typeface="Palatino Linotype" panose="02040502050505030304" pitchFamily="18" charset="0"/>
+                <a:ea typeface="楷体" panose="02010609060101010101" pitchFamily="49" charset="-122"/>
+              </a:rPr>
+              <a:t>./client.py </a:t>
+            </a:r>
+            <a:r>
+              <a:rPr lang="en-US" altLang="zh-CN" sz="1600" dirty="0">
+                <a:latin typeface="Palatino Linotype" panose="02040502050505030304" pitchFamily="18" charset="0"/>
+                <a:ea typeface="楷体" panose="02010609060101010101" pitchFamily="49" charset="-122"/>
+              </a:rPr>
+              <a:t>: receives LiDAR point cloud from </a:t>
+            </a:r>
+            <a:r>
+              <a:rPr lang="en-US" altLang="zh-CN" sz="1600" b="1" dirty="0">
+                <a:solidFill>
+                  <a:schemeClr val="tx1"/>
+                </a:solidFill>
+                <a:latin typeface="Palatino Linotype" panose="02040502050505030304" pitchFamily="18" charset="0"/>
+                <a:ea typeface="楷体" panose="02010609060101010101" pitchFamily="49" charset="-122"/>
+              </a:rPr>
+              <a:t>./server.py</a:t>
+            </a:r>
+            <a:r>
+              <a:rPr lang="en-US" altLang="zh-CN" sz="1600" dirty="0">
+                <a:solidFill>
+                  <a:schemeClr val="tx1"/>
+                </a:solidFill>
+                <a:latin typeface="Palatino Linotype" panose="02040502050505030304" pitchFamily="18" charset="0"/>
+                <a:ea typeface="楷体" panose="02010609060101010101" pitchFamily="49" charset="-122"/>
+              </a:rPr>
+              <a:t>, processes (clustering), and sends the results to </a:t>
+            </a:r>
+            <a:r>
+              <a:rPr lang="en-US" altLang="zh-CN" sz="1600" b="1" dirty="0">
+                <a:solidFill>
+                  <a:schemeClr val="tx1"/>
+                </a:solidFill>
+                <a:latin typeface="Palatino Linotype" panose="02040502050505030304" pitchFamily="18" charset="0"/>
+                <a:ea typeface="楷体" panose="02010609060101010101" pitchFamily="49" charset="-122"/>
+              </a:rPr>
+              <a:t>./guest.py</a:t>
+            </a:r>
+            <a:r>
+              <a:rPr lang="en-US" altLang="zh-CN" sz="1600" dirty="0">
+                <a:latin typeface="Palatino Linotype" panose="02040502050505030304" pitchFamily="18" charset="0"/>
+                <a:ea typeface="楷体" panose="02010609060101010101" pitchFamily="49" charset="-122"/>
+              </a:rPr>
+              <a:t>. </a:t>
+            </a:r>
+          </a:p>
+          <a:p>
+            <a:pPr marL="342900" indent="-342900">
+              <a:spcBef>
+                <a:spcPts val="300"/>
+              </a:spcBef>
+              <a:spcAft>
+                <a:spcPts val="300"/>
+              </a:spcAft>
+              <a:buFont typeface="+mj-lt"/>
+              <a:buAutoNum type="arabicPeriod"/>
+            </a:pPr>
+            <a:r>
+              <a:rPr lang="en-US" altLang="zh-CN" sz="1600" b="1" dirty="0">
+                <a:solidFill>
+                  <a:schemeClr val="tx1"/>
+                </a:solidFill>
+                <a:latin typeface="Palatino Linotype" panose="02040502050505030304" pitchFamily="18" charset="0"/>
+                <a:ea typeface="楷体" panose="02010609060101010101" pitchFamily="49" charset="-122"/>
+              </a:rPr>
+              <a:t>./guest.py </a:t>
+            </a:r>
+            <a:r>
+              <a:rPr lang="en-US" altLang="zh-CN" sz="1600" dirty="0">
+                <a:solidFill>
+                  <a:schemeClr val="tx1"/>
+                </a:solidFill>
+                <a:latin typeface="Palatino Linotype" panose="02040502050505030304" pitchFamily="18" charset="0"/>
+                <a:ea typeface="楷体" panose="02010609060101010101" pitchFamily="49" charset="-122"/>
+              </a:rPr>
+              <a:t>: receives results fro</a:t>
+            </a:r>
+            <a:r>
+              <a:rPr lang="en-US" altLang="zh-CN" sz="1600" dirty="0">
+                <a:latin typeface="Palatino Linotype" panose="02040502050505030304" pitchFamily="18" charset="0"/>
+                <a:ea typeface="楷体" panose="02010609060101010101" pitchFamily="49" charset="-122"/>
+              </a:rPr>
+              <a:t>m </a:t>
+            </a:r>
+            <a:r>
+              <a:rPr lang="en-US" altLang="zh-CN" sz="1600" dirty="0">
+                <a:solidFill>
+                  <a:schemeClr val="tx1"/>
+                </a:solidFill>
+                <a:latin typeface="Palatino Linotype" panose="02040502050505030304" pitchFamily="18" charset="0"/>
+                <a:ea typeface="楷体" panose="02010609060101010101" pitchFamily="49" charset="-122"/>
+              </a:rPr>
+              <a:t>./client.py. P</a:t>
+            </a:r>
+            <a:r>
+              <a:rPr lang="en-US" altLang="zh-CN" sz="1600" dirty="0">
+                <a:latin typeface="Palatino Linotype" panose="02040502050505030304" pitchFamily="18" charset="0"/>
+                <a:ea typeface="楷体" panose="02010609060101010101" pitchFamily="49" charset="-122"/>
+              </a:rPr>
+              <a:t>ractical version is </a:t>
+            </a:r>
+            <a:r>
+              <a:rPr lang="en-US" altLang="zh-CN" sz="1600" b="1" dirty="0">
+                <a:latin typeface="Palatino Linotype" panose="02040502050505030304" pitchFamily="18" charset="0"/>
+                <a:ea typeface="楷体" panose="02010609060101010101" pitchFamily="49" charset="-122"/>
+              </a:rPr>
+              <a:t>./MATLAB/</a:t>
+            </a:r>
+            <a:r>
+              <a:rPr lang="en-US" altLang="zh-CN" sz="1600" b="1" dirty="0" err="1">
+                <a:latin typeface="Palatino Linotype" panose="02040502050505030304" pitchFamily="18" charset="0"/>
+                <a:ea typeface="楷体" panose="02010609060101010101" pitchFamily="49" charset="-122"/>
+              </a:rPr>
+              <a:t>beam_control_with_LiDAR.m</a:t>
+            </a:r>
+            <a:r>
+              <a:rPr lang="en-US" altLang="zh-CN" sz="1600" dirty="0">
+                <a:latin typeface="Palatino Linotype" panose="02040502050505030304" pitchFamily="18" charset="0"/>
+                <a:ea typeface="楷体" panose="02010609060101010101" pitchFamily="49" charset="-122"/>
+              </a:rPr>
+              <a:t>.</a:t>
+            </a:r>
+          </a:p>
+        </p:txBody>
+      </p:sp>
+      <p:cxnSp>
+        <p:nvCxnSpPr>
+          <p:cNvPr id="13" name="Straight Arrow Connector 12">
+            <a:extLst>
+              <a:ext uri="{FF2B5EF4-FFF2-40B4-BE49-F238E27FC236}">
+                <a16:creationId xmlns:a16="http://schemas.microsoft.com/office/drawing/2014/main" id="{A6C8F837-86ED-4BC9-9C43-7D5F7FE452C4}"/>
+              </a:ext>
+            </a:extLst>
+          </p:cNvPr>
+          <p:cNvCxnSpPr>
+            <a:cxnSpLocks/>
+            <a:stCxn id="8" idx="1"/>
+            <a:endCxn id="9" idx="3"/>
+          </p:cNvCxnSpPr>
+          <p:nvPr/>
+        </p:nvCxnSpPr>
+        <p:spPr>
+          <a:xfrm flipH="1">
+            <a:off x="8777182" y="2172798"/>
+            <a:ext cx="716914" cy="0"/>
+          </a:xfrm>
+          <a:prstGeom prst="straightConnector1">
+            <a:avLst/>
+          </a:prstGeom>
+          <a:noFill/>
+          <a:ln w="19050">
+            <a:solidFill>
+              <a:schemeClr val="tx1"/>
+            </a:solidFill>
+            <a:tailEnd type="stealth" w="lg" len="lg"/>
+          </a:ln>
+        </p:spPr>
+        <p:style>
+          <a:lnRef idx="2">
+            <a:schemeClr val="accent1">
+              <a:shade val="50000"/>
+            </a:schemeClr>
+          </a:lnRef>
+          <a:fillRef idx="1">
+            <a:schemeClr val="accent1"/>
+          </a:fillRef>
+          <a:effectRef idx="0">
+            <a:schemeClr val="accent1"/>
+          </a:effectRef>
+          <a:fontRef idx="minor">
+            <a:schemeClr val="lt1"/>
+          </a:fontRef>
+        </p:style>
+      </p:cxnSp>
+      <p:sp>
+        <p:nvSpPr>
+          <p:cNvPr id="19" name="TextBox 18">
+            <a:extLst>
+              <a:ext uri="{FF2B5EF4-FFF2-40B4-BE49-F238E27FC236}">
+                <a16:creationId xmlns:a16="http://schemas.microsoft.com/office/drawing/2014/main" id="{01967D88-0BC2-41A8-8D5C-170F41201223}"/>
+              </a:ext>
+            </a:extLst>
+          </p:cNvPr>
+          <p:cNvSpPr txBox="1"/>
+          <p:nvPr/>
+        </p:nvSpPr>
+        <p:spPr>
+          <a:xfrm>
+            <a:off x="7442410" y="2342075"/>
+            <a:ext cx="3513456" cy="338554"/>
+          </a:xfrm>
+          <a:prstGeom prst="rect">
+            <a:avLst/>
+          </a:prstGeom>
+          <a:noFill/>
+        </p:spPr>
+        <p:txBody>
+          <a:bodyPr wrap="square">
+            <a:spAutoFit/>
+          </a:bodyPr>
+          <a:lstStyle/>
+          <a:p>
+            <a:pPr algn="ctr"/>
+            <a:r>
+              <a:rPr lang="en-US" altLang="zh-CN" sz="1600" dirty="0">
+                <a:solidFill>
+                  <a:srgbClr val="FF0000"/>
+                </a:solidFill>
+                <a:latin typeface="Palatino Linotype" panose="02040502050505030304" pitchFamily="18" charset="0"/>
+                <a:ea typeface="楷体" panose="02010609060101010101" pitchFamily="49" charset="-122"/>
+              </a:rPr>
+              <a:t>Server(s) must start before client(s).</a:t>
+            </a:r>
+            <a:endParaRPr lang="en-US" sz="1600" dirty="0">
+              <a:solidFill>
+                <a:srgbClr val="FF0000"/>
+              </a:solidFill>
             </a:endParaRPr>
+          </a:p>
+        </p:txBody>
+      </p:sp>
+      <p:cxnSp>
+        <p:nvCxnSpPr>
+          <p:cNvPr id="21" name="Connector: Elbow 20">
+            <a:extLst>
+              <a:ext uri="{FF2B5EF4-FFF2-40B4-BE49-F238E27FC236}">
+                <a16:creationId xmlns:a16="http://schemas.microsoft.com/office/drawing/2014/main" id="{8615C8BC-C2EC-4EDA-8980-3F205AB84EB1}"/>
+              </a:ext>
+            </a:extLst>
+          </p:cNvPr>
+          <p:cNvCxnSpPr>
+            <a:cxnSpLocks/>
+            <a:stCxn id="6" idx="1"/>
+            <a:endCxn id="3" idx="3"/>
+          </p:cNvCxnSpPr>
+          <p:nvPr/>
+        </p:nvCxnSpPr>
+        <p:spPr>
+          <a:xfrm rot="10800000">
+            <a:off x="3829051" y="3639292"/>
+            <a:ext cx="809307" cy="781050"/>
+          </a:xfrm>
+          <a:prstGeom prst="bentConnector3">
+            <a:avLst>
+              <a:gd name="adj1" fmla="val 50000"/>
+            </a:avLst>
+          </a:prstGeom>
+          <a:noFill/>
+          <a:ln w="19050">
+            <a:solidFill>
+              <a:schemeClr val="tx1"/>
+            </a:solidFill>
+            <a:tailEnd type="stealth" w="lg" len="lg"/>
+          </a:ln>
+        </p:spPr>
+        <p:style>
+          <a:lnRef idx="2">
+            <a:schemeClr val="accent1">
+              <a:shade val="50000"/>
+            </a:schemeClr>
+          </a:lnRef>
+          <a:fillRef idx="1">
+            <a:schemeClr val="accent1"/>
+          </a:fillRef>
+          <a:effectRef idx="0">
+            <a:schemeClr val="accent1"/>
+          </a:effectRef>
+          <a:fontRef idx="minor">
+            <a:schemeClr val="lt1"/>
+          </a:fontRef>
+        </p:style>
+      </p:cxnSp>
+      <p:cxnSp>
+        <p:nvCxnSpPr>
+          <p:cNvPr id="31" name="Connector: Elbow 30">
+            <a:extLst>
+              <a:ext uri="{FF2B5EF4-FFF2-40B4-BE49-F238E27FC236}">
+                <a16:creationId xmlns:a16="http://schemas.microsoft.com/office/drawing/2014/main" id="{1DE40E12-CDB5-4C03-B8FD-9E55B10114A3}"/>
+              </a:ext>
+            </a:extLst>
+          </p:cNvPr>
+          <p:cNvCxnSpPr>
+            <a:cxnSpLocks/>
+            <a:stCxn id="6" idx="3"/>
+            <a:endCxn id="5" idx="1"/>
+          </p:cNvCxnSpPr>
+          <p:nvPr/>
+        </p:nvCxnSpPr>
+        <p:spPr>
+          <a:xfrm flipV="1">
+            <a:off x="5898197" y="3639292"/>
+            <a:ext cx="809306" cy="781050"/>
+          </a:xfrm>
+          <a:prstGeom prst="bentConnector3">
+            <a:avLst>
+              <a:gd name="adj1" fmla="val 50000"/>
+            </a:avLst>
+          </a:prstGeom>
+          <a:noFill/>
+          <a:ln w="19050">
+            <a:solidFill>
+              <a:schemeClr val="tx1"/>
+            </a:solidFill>
+            <a:tailEnd type="stealth" w="lg" len="lg"/>
+          </a:ln>
+        </p:spPr>
+        <p:style>
+          <a:lnRef idx="2">
+            <a:schemeClr val="accent1">
+              <a:shade val="50000"/>
+            </a:schemeClr>
+          </a:lnRef>
+          <a:fillRef idx="1">
+            <a:schemeClr val="accent1"/>
+          </a:fillRef>
+          <a:effectRef idx="0">
+            <a:schemeClr val="accent1"/>
+          </a:effectRef>
+          <a:fontRef idx="minor">
+            <a:schemeClr val="lt1"/>
+          </a:fontRef>
+        </p:style>
+      </p:cxnSp>
+      <p:sp>
+        <p:nvSpPr>
+          <p:cNvPr id="36" name="TextBox 35">
+            <a:extLst>
+              <a:ext uri="{FF2B5EF4-FFF2-40B4-BE49-F238E27FC236}">
+                <a16:creationId xmlns:a16="http://schemas.microsoft.com/office/drawing/2014/main" id="{FE712140-898B-4E4F-984F-1CD50B06AD0F}"/>
+              </a:ext>
+            </a:extLst>
+          </p:cNvPr>
+          <p:cNvSpPr txBox="1"/>
+          <p:nvPr/>
+        </p:nvSpPr>
+        <p:spPr>
+          <a:xfrm>
+            <a:off x="3829051" y="3218708"/>
+            <a:ext cx="809306" cy="338554"/>
+          </a:xfrm>
+          <a:prstGeom prst="rect">
+            <a:avLst/>
+          </a:prstGeom>
+          <a:noFill/>
+        </p:spPr>
+        <p:txBody>
+          <a:bodyPr wrap="square">
+            <a:spAutoFit/>
+          </a:bodyPr>
+          <a:lstStyle/>
+          <a:p>
+            <a:pPr algn="ctr"/>
+            <a:r>
+              <a:rPr lang="en-US" altLang="zh-CN" sz="1600" dirty="0">
+                <a:solidFill>
+                  <a:schemeClr val="tx1"/>
+                </a:solidFill>
+                <a:latin typeface="Palatino Linotype" panose="02040502050505030304" pitchFamily="18" charset="0"/>
+                <a:ea typeface="楷体" panose="02010609060101010101" pitchFamily="49" charset="-122"/>
+              </a:rPr>
+              <a:t>Port A</a:t>
+            </a:r>
+            <a:endParaRPr lang="en-US" sz="1600" dirty="0"/>
+          </a:p>
+        </p:txBody>
+      </p:sp>
+      <p:sp>
+        <p:nvSpPr>
+          <p:cNvPr id="37" name="TextBox 36">
+            <a:extLst>
+              <a:ext uri="{FF2B5EF4-FFF2-40B4-BE49-F238E27FC236}">
+                <a16:creationId xmlns:a16="http://schemas.microsoft.com/office/drawing/2014/main" id="{5BC70AAB-147B-4D3D-8F06-87834F716C42}"/>
+              </a:ext>
+            </a:extLst>
+          </p:cNvPr>
+          <p:cNvSpPr txBox="1"/>
+          <p:nvPr/>
+        </p:nvSpPr>
+        <p:spPr>
+          <a:xfrm>
+            <a:off x="5912165" y="3236970"/>
+            <a:ext cx="809306" cy="338554"/>
+          </a:xfrm>
+          <a:prstGeom prst="rect">
+            <a:avLst/>
+          </a:prstGeom>
+          <a:noFill/>
+        </p:spPr>
+        <p:txBody>
+          <a:bodyPr wrap="square">
+            <a:spAutoFit/>
+          </a:bodyPr>
+          <a:lstStyle/>
+          <a:p>
+            <a:pPr algn="ctr"/>
+            <a:r>
+              <a:rPr lang="en-US" altLang="zh-CN" sz="1600" dirty="0">
+                <a:solidFill>
+                  <a:schemeClr val="tx1"/>
+                </a:solidFill>
+                <a:latin typeface="Palatino Linotype" panose="02040502050505030304" pitchFamily="18" charset="0"/>
+                <a:ea typeface="楷体" panose="02010609060101010101" pitchFamily="49" charset="-122"/>
+              </a:rPr>
+              <a:t>Port B</a:t>
+            </a:r>
+            <a:endParaRPr lang="en-US" sz="1600" dirty="0"/>
+          </a:p>
+        </p:txBody>
+      </p:sp>
+      <p:sp>
+        <p:nvSpPr>
+          <p:cNvPr id="41" name="TextBox 40">
+            <a:extLst>
+              <a:ext uri="{FF2B5EF4-FFF2-40B4-BE49-F238E27FC236}">
+                <a16:creationId xmlns:a16="http://schemas.microsoft.com/office/drawing/2014/main" id="{9CD218F2-303C-4EF8-A6F0-983344D9827C}"/>
+              </a:ext>
+            </a:extLst>
+          </p:cNvPr>
+          <p:cNvSpPr txBox="1"/>
+          <p:nvPr/>
+        </p:nvSpPr>
+        <p:spPr>
+          <a:xfrm>
+            <a:off x="8351415" y="1737972"/>
+            <a:ext cx="809306" cy="338554"/>
+          </a:xfrm>
+          <a:prstGeom prst="rect">
+            <a:avLst/>
+          </a:prstGeom>
+          <a:noFill/>
+        </p:spPr>
+        <p:txBody>
+          <a:bodyPr wrap="square">
+            <a:spAutoFit/>
+          </a:bodyPr>
+          <a:lstStyle/>
+          <a:p>
+            <a:pPr algn="ctr"/>
+            <a:r>
+              <a:rPr lang="en-US" altLang="zh-CN" sz="1600" dirty="0">
+                <a:solidFill>
+                  <a:schemeClr val="tx1"/>
+                </a:solidFill>
+                <a:latin typeface="Palatino Linotype" panose="02040502050505030304" pitchFamily="18" charset="0"/>
+                <a:ea typeface="楷体" panose="02010609060101010101" pitchFamily="49" charset="-122"/>
+              </a:rPr>
+              <a:t>Port</a:t>
+            </a:r>
+            <a:endParaRPr lang="en-US" sz="1600" dirty="0"/>
           </a:p>
         </p:txBody>
       </p:sp>
@@ -535,6 +1407,774 @@
     <p:extLst>
       <p:ext uri="{BB962C8B-B14F-4D97-AF65-F5344CB8AC3E}">
         <p14:creationId xmlns:p14="http://schemas.microsoft.com/office/powerpoint/2010/main" val="616955886"/>
+      </p:ext>
+    </p:extLst>
+  </p:cSld>
+  <p:clrMapOvr>
+    <a:masterClrMapping/>
+  </p:clrMapOvr>
+</p:sld>
+</file>
+
+<file path=ppt/slides/slide2.xml><?xml version="1.0" encoding="utf-8"?>
+<p:sld xmlns:a="http://schemas.openxmlformats.org/drawingml/2006/main" xmlns:r="http://schemas.openxmlformats.org/officeDocument/2006/relationships" xmlns:p="http://schemas.openxmlformats.org/presentationml/2006/main">
+  <p:cSld>
+    <p:spTree>
+      <p:nvGrpSpPr>
+        <p:cNvPr id="1" name=""/>
+        <p:cNvGrpSpPr/>
+        <p:nvPr/>
+      </p:nvGrpSpPr>
+      <p:grpSpPr>
+        <a:xfrm>
+          <a:off x="0" y="0"/>
+          <a:ext cx="0" cy="0"/>
+          <a:chOff x="0" y="0"/>
+          <a:chExt cx="0" cy="0"/>
+        </a:xfrm>
+      </p:grpSpPr>
+      <p:sp>
+        <p:nvSpPr>
+          <p:cNvPr id="10" name="TextBox 9">
+            <a:extLst>
+              <a:ext uri="{FF2B5EF4-FFF2-40B4-BE49-F238E27FC236}">
+                <a16:creationId xmlns:a16="http://schemas.microsoft.com/office/drawing/2014/main" id="{81AF5075-6DFF-4F09-AD1B-942B68AAF347}"/>
+              </a:ext>
+            </a:extLst>
+          </p:cNvPr>
+          <p:cNvSpPr txBox="1"/>
+          <p:nvPr/>
+        </p:nvSpPr>
+        <p:spPr>
+          <a:xfrm>
+            <a:off x="701463" y="534199"/>
+            <a:ext cx="4497070" cy="369332"/>
+          </a:xfrm>
+          <a:prstGeom prst="rect">
+            <a:avLst/>
+          </a:prstGeom>
+          <a:noFill/>
+        </p:spPr>
+        <p:txBody>
+          <a:bodyPr wrap="square">
+            <a:spAutoFit/>
+          </a:bodyPr>
+          <a:lstStyle/>
+          <a:p>
+            <a:r>
+              <a:rPr lang="en-US" altLang="zh-CN" b="1" dirty="0">
+                <a:solidFill>
+                  <a:schemeClr val="tx1"/>
+                </a:solidFill>
+                <a:latin typeface="Palatino Linotype" panose="02040502050505030304" pitchFamily="18" charset="0"/>
+                <a:ea typeface="楷体" panose="02010609060101010101" pitchFamily="49" charset="-122"/>
+              </a:rPr>
+              <a:t>Tracking with Camera</a:t>
+            </a:r>
+            <a:endParaRPr lang="en-US" b="1" dirty="0"/>
+          </a:p>
+        </p:txBody>
+      </p:sp>
+      <p:sp>
+        <p:nvSpPr>
+          <p:cNvPr id="11" name="TextBox 10">
+            <a:extLst>
+              <a:ext uri="{FF2B5EF4-FFF2-40B4-BE49-F238E27FC236}">
+                <a16:creationId xmlns:a16="http://schemas.microsoft.com/office/drawing/2014/main" id="{06A275DD-53A1-44EE-B536-098ADDD54646}"/>
+              </a:ext>
+            </a:extLst>
+          </p:cNvPr>
+          <p:cNvSpPr txBox="1"/>
+          <p:nvPr/>
+        </p:nvSpPr>
+        <p:spPr>
+          <a:xfrm>
+            <a:off x="811045" y="1092777"/>
+            <a:ext cx="6212055" cy="1646605"/>
+          </a:xfrm>
+          <a:prstGeom prst="rect">
+            <a:avLst/>
+          </a:prstGeom>
+          <a:noFill/>
+        </p:spPr>
+        <p:txBody>
+          <a:bodyPr wrap="square">
+            <a:spAutoFit/>
+          </a:bodyPr>
+          <a:lstStyle/>
+          <a:p>
+            <a:pPr marL="342900" indent="-342900">
+              <a:spcBef>
+                <a:spcPts val="300"/>
+              </a:spcBef>
+              <a:spcAft>
+                <a:spcPts val="300"/>
+              </a:spcAft>
+              <a:buFont typeface="+mj-lt"/>
+              <a:buAutoNum type="arabicPeriod"/>
+            </a:pPr>
+            <a:r>
+              <a:rPr lang="en-US" altLang="zh-CN" sz="1600" b="1" dirty="0">
+                <a:solidFill>
+                  <a:schemeClr val="tx1"/>
+                </a:solidFill>
+                <a:latin typeface="Palatino Linotype" panose="02040502050505030304" pitchFamily="18" charset="0"/>
+                <a:ea typeface="楷体" panose="02010609060101010101" pitchFamily="49" charset="-122"/>
+              </a:rPr>
+              <a:t>./</a:t>
+            </a:r>
+            <a:r>
+              <a:rPr lang="en-US" altLang="zh-CN" sz="1600" b="1" dirty="0" err="1">
+                <a:solidFill>
+                  <a:schemeClr val="tx1"/>
+                </a:solidFill>
+                <a:latin typeface="Palatino Linotype" panose="02040502050505030304" pitchFamily="18" charset="0"/>
+                <a:ea typeface="楷体" panose="02010609060101010101" pitchFamily="49" charset="-122"/>
+              </a:rPr>
+              <a:t>RGB_Cam</a:t>
+            </a:r>
+            <a:r>
+              <a:rPr lang="en-US" altLang="zh-CN" sz="1600" b="1" dirty="0">
+                <a:solidFill>
+                  <a:schemeClr val="tx1"/>
+                </a:solidFill>
+                <a:latin typeface="Palatino Linotype" panose="02040502050505030304" pitchFamily="18" charset="0"/>
+                <a:ea typeface="楷体" panose="02010609060101010101" pitchFamily="49" charset="-122"/>
+              </a:rPr>
+              <a:t>/detect_with_GUI.py</a:t>
+            </a:r>
+            <a:r>
+              <a:rPr lang="en-US" altLang="zh-CN" sz="1600" dirty="0">
+                <a:latin typeface="Palatino Linotype" panose="02040502050505030304" pitchFamily="18" charset="0"/>
+                <a:ea typeface="楷体" panose="02010609060101010101" pitchFamily="49" charset="-122"/>
+              </a:rPr>
+              <a:t>: utilizes YOLOv8 to detect </a:t>
+            </a:r>
+            <a:r>
+              <a:rPr lang="en-US" altLang="zh-CN" sz="1600" dirty="0" err="1">
+                <a:latin typeface="Palatino Linotype" panose="02040502050505030304" pitchFamily="18" charset="0"/>
+                <a:ea typeface="楷体" panose="02010609060101010101" pitchFamily="49" charset="-122"/>
+              </a:rPr>
+              <a:t>vedio</a:t>
+            </a:r>
+            <a:r>
+              <a:rPr lang="en-US" altLang="zh-CN" sz="1600" dirty="0">
+                <a:latin typeface="Palatino Linotype" panose="02040502050505030304" pitchFamily="18" charset="0"/>
+                <a:ea typeface="楷体" panose="02010609060101010101" pitchFamily="49" charset="-122"/>
+              </a:rPr>
+              <a:t> stream from camera, and sends the bounding boxes to </a:t>
+            </a:r>
+            <a:r>
+              <a:rPr lang="en-US" altLang="zh-CN" sz="1600" b="1" dirty="0">
+                <a:latin typeface="Palatino Linotype" panose="02040502050505030304" pitchFamily="18" charset="0"/>
+                <a:ea typeface="楷体" panose="02010609060101010101" pitchFamily="49" charset="-122"/>
+              </a:rPr>
+              <a:t>./MATLAB/</a:t>
+            </a:r>
+            <a:r>
+              <a:rPr lang="en-US" sz="1600" b="1" dirty="0" err="1">
+                <a:solidFill>
+                  <a:schemeClr val="tx1"/>
+                </a:solidFill>
+                <a:latin typeface="Palatino Linotype" panose="02040502050505030304" pitchFamily="18" charset="0"/>
+                <a:ea typeface="楷体" panose="02010609060101010101" pitchFamily="49" charset="-122"/>
+              </a:rPr>
+              <a:t>beam_control_with_camera.m</a:t>
+            </a:r>
+            <a:r>
+              <a:rPr lang="en-US" sz="1600" dirty="0">
+                <a:solidFill>
+                  <a:schemeClr val="tx1"/>
+                </a:solidFill>
+                <a:latin typeface="Palatino Linotype" panose="02040502050505030304" pitchFamily="18" charset="0"/>
+                <a:ea typeface="楷体" panose="02010609060101010101" pitchFamily="49" charset="-122"/>
+              </a:rPr>
+              <a:t>.</a:t>
+            </a:r>
+            <a:endParaRPr lang="en-US" altLang="zh-CN" sz="1600" dirty="0">
+              <a:latin typeface="Palatino Linotype" panose="02040502050505030304" pitchFamily="18" charset="0"/>
+              <a:ea typeface="楷体" panose="02010609060101010101" pitchFamily="49" charset="-122"/>
+            </a:endParaRPr>
+          </a:p>
+          <a:p>
+            <a:pPr marL="342900" indent="-342900">
+              <a:spcBef>
+                <a:spcPts val="300"/>
+              </a:spcBef>
+              <a:spcAft>
+                <a:spcPts val="300"/>
+              </a:spcAft>
+              <a:buFont typeface="+mj-lt"/>
+              <a:buAutoNum type="arabicPeriod"/>
+            </a:pPr>
+            <a:r>
+              <a:rPr lang="en-US" altLang="zh-CN" sz="1600" b="1" dirty="0">
+                <a:latin typeface="Palatino Linotype" panose="02040502050505030304" pitchFamily="18" charset="0"/>
+                <a:ea typeface="楷体" panose="02010609060101010101" pitchFamily="49" charset="-122"/>
+              </a:rPr>
+              <a:t>./MATLAB/</a:t>
+            </a:r>
+            <a:r>
+              <a:rPr lang="en-US" sz="1600" b="1" dirty="0" err="1">
+                <a:solidFill>
+                  <a:schemeClr val="tx1"/>
+                </a:solidFill>
+                <a:latin typeface="Palatino Linotype" panose="02040502050505030304" pitchFamily="18" charset="0"/>
+                <a:ea typeface="楷体" panose="02010609060101010101" pitchFamily="49" charset="-122"/>
+              </a:rPr>
+              <a:t>beam_control_with_camera.m</a:t>
+            </a:r>
+            <a:r>
+              <a:rPr lang="en-US" altLang="zh-CN" sz="1600" b="1" dirty="0">
+                <a:latin typeface="Palatino Linotype" panose="02040502050505030304" pitchFamily="18" charset="0"/>
+                <a:ea typeface="楷体" panose="02010609060101010101" pitchFamily="49" charset="-122"/>
+              </a:rPr>
+              <a:t> </a:t>
+            </a:r>
+            <a:r>
+              <a:rPr lang="en-US" altLang="zh-CN" sz="1600" dirty="0">
+                <a:solidFill>
+                  <a:schemeClr val="tx1"/>
+                </a:solidFill>
+                <a:latin typeface="Palatino Linotype" panose="02040502050505030304" pitchFamily="18" charset="0"/>
+                <a:ea typeface="楷体" panose="02010609060101010101" pitchFamily="49" charset="-122"/>
+              </a:rPr>
+              <a:t>: receives bounding boxed fro</a:t>
+            </a:r>
+            <a:r>
+              <a:rPr lang="en-US" altLang="zh-CN" sz="1600" dirty="0">
+                <a:latin typeface="Palatino Linotype" panose="02040502050505030304" pitchFamily="18" charset="0"/>
+                <a:ea typeface="楷体" panose="02010609060101010101" pitchFamily="49" charset="-122"/>
+              </a:rPr>
+              <a:t>m </a:t>
+            </a:r>
+            <a:r>
+              <a:rPr lang="en-US" altLang="zh-CN" sz="1600" b="1" dirty="0">
+                <a:solidFill>
+                  <a:schemeClr val="tx1"/>
+                </a:solidFill>
+                <a:latin typeface="Palatino Linotype" panose="02040502050505030304" pitchFamily="18" charset="0"/>
+                <a:ea typeface="楷体" panose="02010609060101010101" pitchFamily="49" charset="-122"/>
+              </a:rPr>
+              <a:t>./</a:t>
+            </a:r>
+            <a:r>
+              <a:rPr lang="en-US" altLang="zh-CN" sz="1600" b="1" dirty="0" err="1">
+                <a:solidFill>
+                  <a:schemeClr val="tx1"/>
+                </a:solidFill>
+                <a:latin typeface="Palatino Linotype" panose="02040502050505030304" pitchFamily="18" charset="0"/>
+                <a:ea typeface="楷体" panose="02010609060101010101" pitchFamily="49" charset="-122"/>
+              </a:rPr>
+              <a:t>RGB_Cam</a:t>
+            </a:r>
+            <a:r>
+              <a:rPr lang="en-US" altLang="zh-CN" sz="1600" b="1" dirty="0">
+                <a:solidFill>
+                  <a:schemeClr val="tx1"/>
+                </a:solidFill>
+                <a:latin typeface="Palatino Linotype" panose="02040502050505030304" pitchFamily="18" charset="0"/>
+                <a:ea typeface="楷体" panose="02010609060101010101" pitchFamily="49" charset="-122"/>
+              </a:rPr>
+              <a:t>/detect_with_GUI.py</a:t>
+            </a:r>
+            <a:r>
+              <a:rPr lang="en-US" altLang="zh-CN" sz="1600" dirty="0">
+                <a:latin typeface="Palatino Linotype" panose="02040502050505030304" pitchFamily="18" charset="0"/>
+                <a:ea typeface="楷体" panose="02010609060101010101" pitchFamily="49" charset="-122"/>
+              </a:rPr>
+              <a:t>, and controls beam.</a:t>
+            </a:r>
+          </a:p>
+        </p:txBody>
+      </p:sp>
+      <p:sp>
+        <p:nvSpPr>
+          <p:cNvPr id="12" name="TextBox 11">
+            <a:extLst>
+              <a:ext uri="{FF2B5EF4-FFF2-40B4-BE49-F238E27FC236}">
+                <a16:creationId xmlns:a16="http://schemas.microsoft.com/office/drawing/2014/main" id="{FC0D6CD9-46BD-42E1-B685-9266539992EC}"/>
+              </a:ext>
+            </a:extLst>
+          </p:cNvPr>
+          <p:cNvSpPr txBox="1"/>
+          <p:nvPr/>
+        </p:nvSpPr>
+        <p:spPr>
+          <a:xfrm>
+            <a:off x="9494096" y="2003521"/>
+            <a:ext cx="809838" cy="338554"/>
+          </a:xfrm>
+          <a:prstGeom prst="rect">
+            <a:avLst/>
+          </a:prstGeom>
+          <a:noFill/>
+        </p:spPr>
+        <p:txBody>
+          <a:bodyPr wrap="square">
+            <a:spAutoFit/>
+          </a:bodyPr>
+          <a:lstStyle/>
+          <a:p>
+            <a:pPr algn="ctr"/>
+            <a:r>
+              <a:rPr lang="en-US" altLang="zh-CN" sz="1600" dirty="0">
+                <a:solidFill>
+                  <a:schemeClr val="tx1"/>
+                </a:solidFill>
+                <a:latin typeface="Palatino Linotype" panose="02040502050505030304" pitchFamily="18" charset="0"/>
+                <a:ea typeface="楷体" panose="02010609060101010101" pitchFamily="49" charset="-122"/>
+              </a:rPr>
+              <a:t>Client</a:t>
+            </a:r>
+            <a:endParaRPr lang="en-US" sz="1600" dirty="0"/>
+          </a:p>
+        </p:txBody>
+      </p:sp>
+      <p:sp>
+        <p:nvSpPr>
+          <p:cNvPr id="14" name="TextBox 13">
+            <a:extLst>
+              <a:ext uri="{FF2B5EF4-FFF2-40B4-BE49-F238E27FC236}">
+                <a16:creationId xmlns:a16="http://schemas.microsoft.com/office/drawing/2014/main" id="{579B19E3-A7C7-4EEC-87CD-28D139708FC4}"/>
+              </a:ext>
+            </a:extLst>
+          </p:cNvPr>
+          <p:cNvSpPr txBox="1"/>
+          <p:nvPr/>
+        </p:nvSpPr>
+        <p:spPr>
+          <a:xfrm>
+            <a:off x="7967344" y="2003521"/>
+            <a:ext cx="809838" cy="338554"/>
+          </a:xfrm>
+          <a:prstGeom prst="rect">
+            <a:avLst/>
+          </a:prstGeom>
+          <a:noFill/>
+        </p:spPr>
+        <p:txBody>
+          <a:bodyPr wrap="square">
+            <a:spAutoFit/>
+          </a:bodyPr>
+          <a:lstStyle/>
+          <a:p>
+            <a:pPr algn="ctr"/>
+            <a:r>
+              <a:rPr lang="en-US" altLang="zh-CN" sz="1600" dirty="0">
+                <a:solidFill>
+                  <a:schemeClr val="tx1"/>
+                </a:solidFill>
+                <a:latin typeface="Palatino Linotype" panose="02040502050505030304" pitchFamily="18" charset="0"/>
+                <a:ea typeface="楷体" panose="02010609060101010101" pitchFamily="49" charset="-122"/>
+              </a:rPr>
+              <a:t>Server</a:t>
+            </a:r>
+            <a:endParaRPr lang="en-US" sz="1600" dirty="0"/>
+          </a:p>
+        </p:txBody>
+      </p:sp>
+      <p:cxnSp>
+        <p:nvCxnSpPr>
+          <p:cNvPr id="15" name="Straight Arrow Connector 14">
+            <a:extLst>
+              <a:ext uri="{FF2B5EF4-FFF2-40B4-BE49-F238E27FC236}">
+                <a16:creationId xmlns:a16="http://schemas.microsoft.com/office/drawing/2014/main" id="{7922962A-5BCE-4557-A801-7B97EAA81CD0}"/>
+              </a:ext>
+            </a:extLst>
+          </p:cNvPr>
+          <p:cNvCxnSpPr>
+            <a:cxnSpLocks/>
+            <a:stCxn id="12" idx="1"/>
+            <a:endCxn id="14" idx="3"/>
+          </p:cNvCxnSpPr>
+          <p:nvPr/>
+        </p:nvCxnSpPr>
+        <p:spPr>
+          <a:xfrm flipH="1">
+            <a:off x="8777182" y="2172798"/>
+            <a:ext cx="716914" cy="0"/>
+          </a:xfrm>
+          <a:prstGeom prst="straightConnector1">
+            <a:avLst/>
+          </a:prstGeom>
+          <a:noFill/>
+          <a:ln w="19050">
+            <a:solidFill>
+              <a:schemeClr val="tx1"/>
+            </a:solidFill>
+            <a:tailEnd type="stealth" w="lg" len="lg"/>
+          </a:ln>
+        </p:spPr>
+        <p:style>
+          <a:lnRef idx="2">
+            <a:schemeClr val="accent1">
+              <a:shade val="50000"/>
+            </a:schemeClr>
+          </a:lnRef>
+          <a:fillRef idx="1">
+            <a:schemeClr val="accent1"/>
+          </a:fillRef>
+          <a:effectRef idx="0">
+            <a:schemeClr val="accent1"/>
+          </a:effectRef>
+          <a:fontRef idx="minor">
+            <a:schemeClr val="lt1"/>
+          </a:fontRef>
+        </p:style>
+      </p:cxnSp>
+      <p:sp>
+        <p:nvSpPr>
+          <p:cNvPr id="16" name="TextBox 15">
+            <a:extLst>
+              <a:ext uri="{FF2B5EF4-FFF2-40B4-BE49-F238E27FC236}">
+                <a16:creationId xmlns:a16="http://schemas.microsoft.com/office/drawing/2014/main" id="{35C31C43-B0D0-479B-AE1F-51420E6DE504}"/>
+              </a:ext>
+            </a:extLst>
+          </p:cNvPr>
+          <p:cNvSpPr txBox="1"/>
+          <p:nvPr/>
+        </p:nvSpPr>
+        <p:spPr>
+          <a:xfrm>
+            <a:off x="7442410" y="2342075"/>
+            <a:ext cx="3513456" cy="338554"/>
+          </a:xfrm>
+          <a:prstGeom prst="rect">
+            <a:avLst/>
+          </a:prstGeom>
+          <a:noFill/>
+        </p:spPr>
+        <p:txBody>
+          <a:bodyPr wrap="square">
+            <a:spAutoFit/>
+          </a:bodyPr>
+          <a:lstStyle/>
+          <a:p>
+            <a:pPr algn="ctr"/>
+            <a:r>
+              <a:rPr lang="en-US" altLang="zh-CN" sz="1600" dirty="0">
+                <a:solidFill>
+                  <a:srgbClr val="FF0000"/>
+                </a:solidFill>
+                <a:latin typeface="Palatino Linotype" panose="02040502050505030304" pitchFamily="18" charset="0"/>
+                <a:ea typeface="楷体" panose="02010609060101010101" pitchFamily="49" charset="-122"/>
+              </a:rPr>
+              <a:t>Server(s) must start before client(s).</a:t>
+            </a:r>
+            <a:endParaRPr lang="en-US" sz="1600" dirty="0">
+              <a:solidFill>
+                <a:srgbClr val="FF0000"/>
+              </a:solidFill>
+            </a:endParaRPr>
+          </a:p>
+        </p:txBody>
+      </p:sp>
+      <p:sp>
+        <p:nvSpPr>
+          <p:cNvPr id="17" name="TextBox 16">
+            <a:extLst>
+              <a:ext uri="{FF2B5EF4-FFF2-40B4-BE49-F238E27FC236}">
+                <a16:creationId xmlns:a16="http://schemas.microsoft.com/office/drawing/2014/main" id="{EE6F9F73-8B64-4BAD-8FA3-603EDD11252B}"/>
+              </a:ext>
+            </a:extLst>
+          </p:cNvPr>
+          <p:cNvSpPr txBox="1"/>
+          <p:nvPr/>
+        </p:nvSpPr>
+        <p:spPr>
+          <a:xfrm>
+            <a:off x="8351415" y="1737972"/>
+            <a:ext cx="809306" cy="338554"/>
+          </a:xfrm>
+          <a:prstGeom prst="rect">
+            <a:avLst/>
+          </a:prstGeom>
+          <a:noFill/>
+        </p:spPr>
+        <p:txBody>
+          <a:bodyPr wrap="square">
+            <a:spAutoFit/>
+          </a:bodyPr>
+          <a:lstStyle/>
+          <a:p>
+            <a:pPr algn="ctr"/>
+            <a:r>
+              <a:rPr lang="en-US" altLang="zh-CN" sz="1600" dirty="0">
+                <a:solidFill>
+                  <a:schemeClr val="tx1"/>
+                </a:solidFill>
+                <a:latin typeface="Palatino Linotype" panose="02040502050505030304" pitchFamily="18" charset="0"/>
+                <a:ea typeface="楷体" panose="02010609060101010101" pitchFamily="49" charset="-122"/>
+              </a:rPr>
+              <a:t>Port</a:t>
+            </a:r>
+            <a:endParaRPr lang="en-US" sz="1600" dirty="0"/>
+          </a:p>
+        </p:txBody>
+      </p:sp>
+      <p:sp>
+        <p:nvSpPr>
+          <p:cNvPr id="18" name="Rectangle: Rounded Corners 17">
+            <a:extLst>
+              <a:ext uri="{FF2B5EF4-FFF2-40B4-BE49-F238E27FC236}">
+                <a16:creationId xmlns:a16="http://schemas.microsoft.com/office/drawing/2014/main" id="{6A250D62-1E4D-4FC9-A0A3-210AE77ABD42}"/>
+              </a:ext>
+            </a:extLst>
+          </p:cNvPr>
+          <p:cNvSpPr/>
+          <p:nvPr/>
+        </p:nvSpPr>
+        <p:spPr>
+          <a:xfrm>
+            <a:off x="5851628" y="3575843"/>
+            <a:ext cx="4172905" cy="629920"/>
+          </a:xfrm>
+          <a:prstGeom prst="roundRect">
+            <a:avLst>
+              <a:gd name="adj" fmla="val 9409"/>
+            </a:avLst>
+          </a:prstGeom>
+          <a:noFill/>
+          <a:ln w="19050">
+            <a:solidFill>
+              <a:schemeClr val="tx1"/>
+            </a:solidFill>
+          </a:ln>
+        </p:spPr>
+        <p:style>
+          <a:lnRef idx="2">
+            <a:schemeClr val="accent1">
+              <a:shade val="50000"/>
+            </a:schemeClr>
+          </a:lnRef>
+          <a:fillRef idx="1">
+            <a:schemeClr val="accent1"/>
+          </a:fillRef>
+          <a:effectRef idx="0">
+            <a:schemeClr val="accent1"/>
+          </a:effectRef>
+          <a:fontRef idx="minor">
+            <a:schemeClr val="lt1"/>
+          </a:fontRef>
+        </p:style>
+        <p:txBody>
+          <a:bodyPr rtlCol="0" anchor="ctr"/>
+          <a:lstStyle/>
+          <a:p>
+            <a:pPr algn="ctr"/>
+            <a:r>
+              <a:rPr lang="en-US" sz="1600" b="1" dirty="0">
+                <a:solidFill>
+                  <a:schemeClr val="tx1"/>
+                </a:solidFill>
+                <a:latin typeface="Palatino Linotype" panose="02040502050505030304" pitchFamily="18" charset="0"/>
+                <a:ea typeface="楷体" panose="02010609060101010101" pitchFamily="49" charset="-122"/>
+              </a:rPr>
+              <a:t>./MATLAB/</a:t>
+            </a:r>
+            <a:r>
+              <a:rPr lang="en-US" sz="1600" b="1" dirty="0" err="1">
+                <a:solidFill>
+                  <a:schemeClr val="tx1"/>
+                </a:solidFill>
+                <a:latin typeface="Palatino Linotype" panose="02040502050505030304" pitchFamily="18" charset="0"/>
+                <a:ea typeface="楷体" panose="02010609060101010101" pitchFamily="49" charset="-122"/>
+              </a:rPr>
+              <a:t>beam_control_with_camera.m</a:t>
+            </a:r>
+            <a:r>
+              <a:rPr lang="en-US" sz="1600" b="1" dirty="0">
+                <a:solidFill>
+                  <a:schemeClr val="tx1"/>
+                </a:solidFill>
+                <a:latin typeface="Palatino Linotype" panose="02040502050505030304" pitchFamily="18" charset="0"/>
+                <a:ea typeface="楷体" panose="02010609060101010101" pitchFamily="49" charset="-122"/>
+              </a:rPr>
+              <a:t> </a:t>
+            </a:r>
+          </a:p>
+        </p:txBody>
+      </p:sp>
+      <p:sp>
+        <p:nvSpPr>
+          <p:cNvPr id="20" name="Rectangle: Rounded Corners 19">
+            <a:extLst>
+              <a:ext uri="{FF2B5EF4-FFF2-40B4-BE49-F238E27FC236}">
+                <a16:creationId xmlns:a16="http://schemas.microsoft.com/office/drawing/2014/main" id="{27A840B6-2712-4341-B804-054809F79208}"/>
+              </a:ext>
+            </a:extLst>
+          </p:cNvPr>
+          <p:cNvSpPr/>
+          <p:nvPr/>
+        </p:nvSpPr>
+        <p:spPr>
+          <a:xfrm>
+            <a:off x="2949998" y="3575843"/>
+            <a:ext cx="1259840" cy="629920"/>
+          </a:xfrm>
+          <a:prstGeom prst="roundRect">
+            <a:avLst>
+              <a:gd name="adj" fmla="val 9409"/>
+            </a:avLst>
+          </a:prstGeom>
+          <a:noFill/>
+          <a:ln w="19050">
+            <a:solidFill>
+              <a:schemeClr val="tx1"/>
+            </a:solidFill>
+          </a:ln>
+        </p:spPr>
+        <p:style>
+          <a:lnRef idx="2">
+            <a:schemeClr val="accent1">
+              <a:shade val="50000"/>
+            </a:schemeClr>
+          </a:lnRef>
+          <a:fillRef idx="1">
+            <a:schemeClr val="accent1"/>
+          </a:fillRef>
+          <a:effectRef idx="0">
+            <a:schemeClr val="accent1"/>
+          </a:effectRef>
+          <a:fontRef idx="minor">
+            <a:schemeClr val="lt1"/>
+          </a:fontRef>
+        </p:style>
+        <p:txBody>
+          <a:bodyPr rtlCol="0" anchor="ctr"/>
+          <a:lstStyle/>
+          <a:p>
+            <a:pPr algn="ctr"/>
+            <a:r>
+              <a:rPr lang="en-US" sz="1600" b="1" dirty="0">
+                <a:solidFill>
+                  <a:schemeClr val="tx1"/>
+                </a:solidFill>
+                <a:latin typeface="Palatino Linotype" panose="02040502050505030304" pitchFamily="18" charset="0"/>
+                <a:ea typeface="楷体" panose="02010609060101010101" pitchFamily="49" charset="-122"/>
+              </a:rPr>
+              <a:t>./</a:t>
+            </a:r>
+            <a:r>
+              <a:rPr lang="en-US" altLang="zh-CN" sz="1600" b="1" dirty="0">
+                <a:solidFill>
+                  <a:schemeClr val="tx1"/>
+                </a:solidFill>
+                <a:latin typeface="Palatino Linotype" panose="02040502050505030304" pitchFamily="18" charset="0"/>
+                <a:ea typeface="楷体" panose="02010609060101010101" pitchFamily="49" charset="-122"/>
+              </a:rPr>
+              <a:t>client</a:t>
+            </a:r>
+            <a:r>
+              <a:rPr lang="en-US" sz="1600" b="1" dirty="0">
+                <a:solidFill>
+                  <a:schemeClr val="tx1"/>
+                </a:solidFill>
+                <a:latin typeface="Palatino Linotype" panose="02040502050505030304" pitchFamily="18" charset="0"/>
+                <a:ea typeface="楷体" panose="02010609060101010101" pitchFamily="49" charset="-122"/>
+              </a:rPr>
+              <a:t>.py</a:t>
+            </a:r>
+          </a:p>
+        </p:txBody>
+      </p:sp>
+      <p:sp>
+        <p:nvSpPr>
+          <p:cNvPr id="22" name="TextBox 21">
+            <a:extLst>
+              <a:ext uri="{FF2B5EF4-FFF2-40B4-BE49-F238E27FC236}">
+                <a16:creationId xmlns:a16="http://schemas.microsoft.com/office/drawing/2014/main" id="{51E0D696-DE63-42CF-92FD-1CB141CECA76}"/>
+              </a:ext>
+            </a:extLst>
+          </p:cNvPr>
+          <p:cNvSpPr txBox="1"/>
+          <p:nvPr/>
+        </p:nvSpPr>
+        <p:spPr>
+          <a:xfrm>
+            <a:off x="4980832" y="3540453"/>
+            <a:ext cx="809306" cy="338554"/>
+          </a:xfrm>
+          <a:prstGeom prst="rect">
+            <a:avLst/>
+          </a:prstGeom>
+          <a:noFill/>
+        </p:spPr>
+        <p:txBody>
+          <a:bodyPr wrap="square">
+            <a:spAutoFit/>
+          </a:bodyPr>
+          <a:lstStyle/>
+          <a:p>
+            <a:pPr algn="ctr"/>
+            <a:r>
+              <a:rPr lang="en-US" altLang="zh-CN" sz="1600" dirty="0">
+                <a:solidFill>
+                  <a:schemeClr val="tx1"/>
+                </a:solidFill>
+                <a:latin typeface="Palatino Linotype" panose="02040502050505030304" pitchFamily="18" charset="0"/>
+                <a:ea typeface="楷体" panose="02010609060101010101" pitchFamily="49" charset="-122"/>
+              </a:rPr>
+              <a:t>Port A</a:t>
+            </a:r>
+            <a:endParaRPr lang="en-US" sz="1600" dirty="0"/>
+          </a:p>
+        </p:txBody>
+      </p:sp>
+      <p:cxnSp>
+        <p:nvCxnSpPr>
+          <p:cNvPr id="23" name="Straight Arrow Connector 22">
+            <a:extLst>
+              <a:ext uri="{FF2B5EF4-FFF2-40B4-BE49-F238E27FC236}">
+                <a16:creationId xmlns:a16="http://schemas.microsoft.com/office/drawing/2014/main" id="{A659F3C7-365F-40DD-976F-7A34CE4B82E3}"/>
+              </a:ext>
+            </a:extLst>
+          </p:cNvPr>
+          <p:cNvCxnSpPr>
+            <a:cxnSpLocks/>
+            <a:stCxn id="20" idx="3"/>
+            <a:endCxn id="18" idx="1"/>
+          </p:cNvCxnSpPr>
+          <p:nvPr/>
+        </p:nvCxnSpPr>
+        <p:spPr>
+          <a:xfrm>
+            <a:off x="4209838" y="3890803"/>
+            <a:ext cx="1641790" cy="0"/>
+          </a:xfrm>
+          <a:prstGeom prst="straightConnector1">
+            <a:avLst/>
+          </a:prstGeom>
+          <a:noFill/>
+          <a:ln w="19050">
+            <a:solidFill>
+              <a:schemeClr val="tx1"/>
+            </a:solidFill>
+            <a:tailEnd type="stealth" w="lg" len="lg"/>
+          </a:ln>
+        </p:spPr>
+        <p:style>
+          <a:lnRef idx="2">
+            <a:schemeClr val="accent1">
+              <a:shade val="50000"/>
+            </a:schemeClr>
+          </a:lnRef>
+          <a:fillRef idx="1">
+            <a:schemeClr val="accent1"/>
+          </a:fillRef>
+          <a:effectRef idx="0">
+            <a:schemeClr val="accent1"/>
+          </a:effectRef>
+          <a:fontRef idx="minor">
+            <a:schemeClr val="lt1"/>
+          </a:fontRef>
+        </p:style>
+      </p:cxnSp>
+    </p:spTree>
+    <p:extLst>
+      <p:ext uri="{BB962C8B-B14F-4D97-AF65-F5344CB8AC3E}">
+        <p14:creationId xmlns:p14="http://schemas.microsoft.com/office/powerpoint/2010/main" val="449790697"/>
       </p:ext>
     </p:extLst>
   </p:cSld>

--- a/INSTRUCTIONS.pptx
+++ b/INSTRUCTIONS.pptx
@@ -6,7 +6,8 @@
   </p:sldMasterIdLst>
   <p:sldIdLst>
     <p:sldId id="256" r:id="rId2"/>
-    <p:sldId id="257" r:id="rId3"/>
+    <p:sldId id="259" r:id="rId3"/>
+    <p:sldId id="257" r:id="rId4"/>
   </p:sldIdLst>
   <p:sldSz cx="12192000" cy="6858000"/>
   <p:notesSz cx="6858000" cy="9144000"/>
@@ -490,7 +491,7 @@
         </p:nvSpPr>
         <p:spPr>
           <a:xfrm>
-            <a:off x="1539767" y="3324332"/>
+            <a:off x="720408" y="3411755"/>
             <a:ext cx="2289283" cy="629920"/>
           </a:xfrm>
           <a:prstGeom prst="roundRect">
@@ -553,7 +554,7 @@
         </p:nvSpPr>
         <p:spPr>
           <a:xfrm>
-            <a:off x="6707503" y="3324332"/>
+            <a:off x="5888144" y="3411755"/>
             <a:ext cx="4358430" cy="629920"/>
           </a:xfrm>
           <a:prstGeom prst="roundRect">
@@ -633,7 +634,7 @@
         </p:nvSpPr>
         <p:spPr>
           <a:xfrm>
-            <a:off x="4638357" y="4105382"/>
+            <a:off x="3818998" y="4192805"/>
             <a:ext cx="1259840" cy="629920"/>
           </a:xfrm>
           <a:prstGeom prst="roundRect">
@@ -1190,7 +1191,7 @@
         </p:nvCxnSpPr>
         <p:spPr>
           <a:xfrm rot="10800000">
-            <a:off x="3829051" y="3639292"/>
+            <a:off x="3009692" y="3726715"/>
             <a:ext cx="809307" cy="781050"/>
           </a:xfrm>
           <a:prstGeom prst="bentConnector3">
@@ -1241,7 +1242,7 @@
         </p:nvCxnSpPr>
         <p:spPr>
           <a:xfrm flipV="1">
-            <a:off x="5898197" y="3639292"/>
+            <a:off x="5078838" y="3726715"/>
             <a:ext cx="809306" cy="781050"/>
           </a:xfrm>
           <a:prstGeom prst="bentConnector3">
@@ -1288,7 +1289,7 @@
         </p:nvSpPr>
         <p:spPr>
           <a:xfrm>
-            <a:off x="3829051" y="3218708"/>
+            <a:off x="3009692" y="3306131"/>
             <a:ext cx="809306" cy="338554"/>
           </a:xfrm>
           <a:prstGeom prst="rect">
@@ -1331,7 +1332,7 @@
         </p:nvSpPr>
         <p:spPr>
           <a:xfrm>
-            <a:off x="5912165" y="3236970"/>
+            <a:off x="5092806" y="3324393"/>
             <a:ext cx="809306" cy="338554"/>
           </a:xfrm>
           <a:prstGeom prst="rect">
@@ -1417,6 +1418,1017 @@
 </file>
 
 <file path=ppt/slides/slide2.xml><?xml version="1.0" encoding="utf-8"?>
+<p:sld xmlns:a="http://schemas.openxmlformats.org/drawingml/2006/main" xmlns:r="http://schemas.openxmlformats.org/officeDocument/2006/relationships" xmlns:p="http://schemas.openxmlformats.org/presentationml/2006/main">
+  <p:cSld>
+    <p:spTree>
+      <p:nvGrpSpPr>
+        <p:cNvPr id="1" name=""/>
+        <p:cNvGrpSpPr/>
+        <p:nvPr/>
+      </p:nvGrpSpPr>
+      <p:grpSpPr>
+        <a:xfrm>
+          <a:off x="0" y="0"/>
+          <a:ext cx="0" cy="0"/>
+          <a:chOff x="0" y="0"/>
+          <a:chExt cx="0" cy="0"/>
+        </a:xfrm>
+      </p:grpSpPr>
+      <p:sp>
+        <p:nvSpPr>
+          <p:cNvPr id="3" name="Rectangle: Rounded Corners 2">
+            <a:extLst>
+              <a:ext uri="{FF2B5EF4-FFF2-40B4-BE49-F238E27FC236}">
+                <a16:creationId xmlns:a16="http://schemas.microsoft.com/office/drawing/2014/main" id="{96134A71-B00E-4CA5-8B42-D5FC5C4C2442}"/>
+              </a:ext>
+            </a:extLst>
+          </p:cNvPr>
+          <p:cNvSpPr/>
+          <p:nvPr/>
+        </p:nvSpPr>
+        <p:spPr>
+          <a:xfrm>
+            <a:off x="489004" y="2303045"/>
+            <a:ext cx="2289283" cy="629920"/>
+          </a:xfrm>
+          <a:prstGeom prst="roundRect">
+            <a:avLst>
+              <a:gd name="adj" fmla="val 9409"/>
+            </a:avLst>
+          </a:prstGeom>
+          <a:noFill/>
+          <a:ln w="19050">
+            <a:solidFill>
+              <a:schemeClr val="tx1"/>
+            </a:solidFill>
+          </a:ln>
+        </p:spPr>
+        <p:style>
+          <a:lnRef idx="2">
+            <a:schemeClr val="accent1">
+              <a:shade val="50000"/>
+            </a:schemeClr>
+          </a:lnRef>
+          <a:fillRef idx="1">
+            <a:schemeClr val="accent1"/>
+          </a:fillRef>
+          <a:effectRef idx="0">
+            <a:schemeClr val="accent1"/>
+          </a:effectRef>
+          <a:fontRef idx="minor">
+            <a:schemeClr val="lt1"/>
+          </a:fontRef>
+        </p:style>
+        <p:txBody>
+          <a:bodyPr rtlCol="0" anchor="ctr"/>
+          <a:lstStyle/>
+          <a:p>
+            <a:pPr algn="ctr"/>
+            <a:r>
+              <a:rPr lang="en-US" sz="1600" b="1" dirty="0">
+                <a:solidFill>
+                  <a:schemeClr val="tx1"/>
+                </a:solidFill>
+                <a:latin typeface="Palatino Linotype" panose="02040502050505030304" pitchFamily="18" charset="0"/>
+                <a:ea typeface="楷体" panose="02010609060101010101" pitchFamily="49" charset="-122"/>
+              </a:rPr>
+              <a:t>./ROS/server_ros.py</a:t>
+            </a:r>
+          </a:p>
+        </p:txBody>
+      </p:sp>
+      <p:sp>
+        <p:nvSpPr>
+          <p:cNvPr id="5" name="Rectangle: Rounded Corners 4">
+            <a:extLst>
+              <a:ext uri="{FF2B5EF4-FFF2-40B4-BE49-F238E27FC236}">
+                <a16:creationId xmlns:a16="http://schemas.microsoft.com/office/drawing/2014/main" id="{2B9D2F40-4275-46CA-A206-8A49BEA8E2D3}"/>
+              </a:ext>
+            </a:extLst>
+          </p:cNvPr>
+          <p:cNvSpPr/>
+          <p:nvPr/>
+        </p:nvSpPr>
+        <p:spPr>
+          <a:xfrm>
+            <a:off x="5656739" y="2303045"/>
+            <a:ext cx="5389351" cy="629920"/>
+          </a:xfrm>
+          <a:prstGeom prst="roundRect">
+            <a:avLst>
+              <a:gd name="adj" fmla="val 9409"/>
+            </a:avLst>
+          </a:prstGeom>
+          <a:noFill/>
+          <a:ln w="19050">
+            <a:solidFill>
+              <a:schemeClr val="tx1"/>
+            </a:solidFill>
+          </a:ln>
+        </p:spPr>
+        <p:style>
+          <a:lnRef idx="2">
+            <a:schemeClr val="accent1">
+              <a:shade val="50000"/>
+            </a:schemeClr>
+          </a:lnRef>
+          <a:fillRef idx="1">
+            <a:schemeClr val="accent1"/>
+          </a:fillRef>
+          <a:effectRef idx="0">
+            <a:schemeClr val="accent1"/>
+          </a:effectRef>
+          <a:fontRef idx="minor">
+            <a:schemeClr val="lt1"/>
+          </a:fontRef>
+        </p:style>
+        <p:txBody>
+          <a:bodyPr rtlCol="0" anchor="ctr"/>
+          <a:lstStyle/>
+          <a:p>
+            <a:pPr algn="ctr"/>
+            <a:r>
+              <a:rPr lang="en-US" sz="1600" b="1" dirty="0">
+                <a:solidFill>
+                  <a:schemeClr val="tx1"/>
+                </a:solidFill>
+                <a:latin typeface="Palatino Linotype" panose="02040502050505030304" pitchFamily="18" charset="0"/>
+                <a:ea typeface="楷体" panose="02010609060101010101" pitchFamily="49" charset="-122"/>
+              </a:rPr>
+              <a:t>./MATLAB/</a:t>
+            </a:r>
+            <a:r>
+              <a:rPr lang="en-US" sz="1600" b="1" dirty="0" err="1">
+                <a:solidFill>
+                  <a:schemeClr val="tx1"/>
+                </a:solidFill>
+                <a:latin typeface="Palatino Linotype" panose="02040502050505030304" pitchFamily="18" charset="0"/>
+                <a:ea typeface="楷体" panose="02010609060101010101" pitchFamily="49" charset="-122"/>
+              </a:rPr>
+              <a:t>beam_control_with_LiDAR_Transmitter.m</a:t>
+            </a:r>
+            <a:endParaRPr lang="en-US" sz="1600" b="1" dirty="0">
+              <a:solidFill>
+                <a:schemeClr val="tx1"/>
+              </a:solidFill>
+              <a:latin typeface="Palatino Linotype" panose="02040502050505030304" pitchFamily="18" charset="0"/>
+              <a:ea typeface="楷体" panose="02010609060101010101" pitchFamily="49" charset="-122"/>
+            </a:endParaRPr>
+          </a:p>
+        </p:txBody>
+      </p:sp>
+      <p:sp>
+        <p:nvSpPr>
+          <p:cNvPr id="6" name="Rectangle: Rounded Corners 5">
+            <a:extLst>
+              <a:ext uri="{FF2B5EF4-FFF2-40B4-BE49-F238E27FC236}">
+                <a16:creationId xmlns:a16="http://schemas.microsoft.com/office/drawing/2014/main" id="{16B56F6D-9B3F-4CDE-9D8D-0538AF03B6A7}"/>
+              </a:ext>
+            </a:extLst>
+          </p:cNvPr>
+          <p:cNvSpPr/>
+          <p:nvPr/>
+        </p:nvSpPr>
+        <p:spPr>
+          <a:xfrm>
+            <a:off x="3587594" y="3084095"/>
+            <a:ext cx="1259840" cy="629920"/>
+          </a:xfrm>
+          <a:prstGeom prst="roundRect">
+            <a:avLst>
+              <a:gd name="adj" fmla="val 9409"/>
+            </a:avLst>
+          </a:prstGeom>
+          <a:noFill/>
+          <a:ln w="19050">
+            <a:solidFill>
+              <a:schemeClr val="tx1"/>
+            </a:solidFill>
+          </a:ln>
+        </p:spPr>
+        <p:style>
+          <a:lnRef idx="2">
+            <a:schemeClr val="accent1">
+              <a:shade val="50000"/>
+            </a:schemeClr>
+          </a:lnRef>
+          <a:fillRef idx="1">
+            <a:schemeClr val="accent1"/>
+          </a:fillRef>
+          <a:effectRef idx="0">
+            <a:schemeClr val="accent1"/>
+          </a:effectRef>
+          <a:fontRef idx="minor">
+            <a:schemeClr val="lt1"/>
+          </a:fontRef>
+        </p:style>
+        <p:txBody>
+          <a:bodyPr rtlCol="0" anchor="ctr"/>
+          <a:lstStyle/>
+          <a:p>
+            <a:pPr algn="ctr"/>
+            <a:r>
+              <a:rPr lang="en-US" sz="1600" b="1" dirty="0">
+                <a:solidFill>
+                  <a:schemeClr val="tx1"/>
+                </a:solidFill>
+                <a:latin typeface="Palatino Linotype" panose="02040502050505030304" pitchFamily="18" charset="0"/>
+                <a:ea typeface="楷体" panose="02010609060101010101" pitchFamily="49" charset="-122"/>
+              </a:rPr>
+              <a:t>./</a:t>
+            </a:r>
+            <a:r>
+              <a:rPr lang="en-US" altLang="zh-CN" sz="1600" b="1" dirty="0">
+                <a:solidFill>
+                  <a:schemeClr val="tx1"/>
+                </a:solidFill>
+                <a:latin typeface="Palatino Linotype" panose="02040502050505030304" pitchFamily="18" charset="0"/>
+                <a:ea typeface="楷体" panose="02010609060101010101" pitchFamily="49" charset="-122"/>
+              </a:rPr>
+              <a:t>client</a:t>
+            </a:r>
+            <a:r>
+              <a:rPr lang="en-US" sz="1600" b="1" dirty="0">
+                <a:solidFill>
+                  <a:schemeClr val="tx1"/>
+                </a:solidFill>
+                <a:latin typeface="Palatino Linotype" panose="02040502050505030304" pitchFamily="18" charset="0"/>
+                <a:ea typeface="楷体" panose="02010609060101010101" pitchFamily="49" charset="-122"/>
+              </a:rPr>
+              <a:t>.py</a:t>
+            </a:r>
+          </a:p>
+        </p:txBody>
+      </p:sp>
+      <p:sp>
+        <p:nvSpPr>
+          <p:cNvPr id="8" name="TextBox 7">
+            <a:extLst>
+              <a:ext uri="{FF2B5EF4-FFF2-40B4-BE49-F238E27FC236}">
+                <a16:creationId xmlns:a16="http://schemas.microsoft.com/office/drawing/2014/main" id="{02C53107-F639-4038-8403-0D7E58F55D7F}"/>
+              </a:ext>
+            </a:extLst>
+          </p:cNvPr>
+          <p:cNvSpPr txBox="1"/>
+          <p:nvPr/>
+        </p:nvSpPr>
+        <p:spPr>
+          <a:xfrm>
+            <a:off x="9494096" y="449041"/>
+            <a:ext cx="809838" cy="338554"/>
+          </a:xfrm>
+          <a:prstGeom prst="rect">
+            <a:avLst/>
+          </a:prstGeom>
+          <a:noFill/>
+        </p:spPr>
+        <p:txBody>
+          <a:bodyPr wrap="square">
+            <a:spAutoFit/>
+          </a:bodyPr>
+          <a:lstStyle/>
+          <a:p>
+            <a:pPr algn="ctr"/>
+            <a:r>
+              <a:rPr lang="en-US" altLang="zh-CN" sz="1600" dirty="0">
+                <a:solidFill>
+                  <a:schemeClr val="tx1"/>
+                </a:solidFill>
+                <a:latin typeface="Palatino Linotype" panose="02040502050505030304" pitchFamily="18" charset="0"/>
+                <a:ea typeface="楷体" panose="02010609060101010101" pitchFamily="49" charset="-122"/>
+              </a:rPr>
+              <a:t>Client</a:t>
+            </a:r>
+            <a:endParaRPr lang="en-US" sz="1600" dirty="0"/>
+          </a:p>
+        </p:txBody>
+      </p:sp>
+      <p:sp>
+        <p:nvSpPr>
+          <p:cNvPr id="9" name="TextBox 8">
+            <a:extLst>
+              <a:ext uri="{FF2B5EF4-FFF2-40B4-BE49-F238E27FC236}">
+                <a16:creationId xmlns:a16="http://schemas.microsoft.com/office/drawing/2014/main" id="{9209E88A-D363-4311-A526-1E10748255A9}"/>
+              </a:ext>
+            </a:extLst>
+          </p:cNvPr>
+          <p:cNvSpPr txBox="1"/>
+          <p:nvPr/>
+        </p:nvSpPr>
+        <p:spPr>
+          <a:xfrm>
+            <a:off x="7967344" y="449041"/>
+            <a:ext cx="809838" cy="338554"/>
+          </a:xfrm>
+          <a:prstGeom prst="rect">
+            <a:avLst/>
+          </a:prstGeom>
+          <a:noFill/>
+        </p:spPr>
+        <p:txBody>
+          <a:bodyPr wrap="square">
+            <a:spAutoFit/>
+          </a:bodyPr>
+          <a:lstStyle/>
+          <a:p>
+            <a:pPr algn="ctr"/>
+            <a:r>
+              <a:rPr lang="en-US" altLang="zh-CN" sz="1600" dirty="0">
+                <a:solidFill>
+                  <a:schemeClr val="tx1"/>
+                </a:solidFill>
+                <a:latin typeface="Palatino Linotype" panose="02040502050505030304" pitchFamily="18" charset="0"/>
+                <a:ea typeface="楷体" panose="02010609060101010101" pitchFamily="49" charset="-122"/>
+              </a:rPr>
+              <a:t>Server</a:t>
+            </a:r>
+            <a:endParaRPr lang="en-US" sz="1600" dirty="0"/>
+          </a:p>
+        </p:txBody>
+      </p:sp>
+      <p:sp>
+        <p:nvSpPr>
+          <p:cNvPr id="10" name="TextBox 9">
+            <a:extLst>
+              <a:ext uri="{FF2B5EF4-FFF2-40B4-BE49-F238E27FC236}">
+                <a16:creationId xmlns:a16="http://schemas.microsoft.com/office/drawing/2014/main" id="{81AF5075-6DFF-4F09-AD1B-942B68AAF347}"/>
+              </a:ext>
+            </a:extLst>
+          </p:cNvPr>
+          <p:cNvSpPr txBox="1"/>
+          <p:nvPr/>
+        </p:nvSpPr>
+        <p:spPr>
+          <a:xfrm>
+            <a:off x="701463" y="534199"/>
+            <a:ext cx="4497070" cy="369332"/>
+          </a:xfrm>
+          <a:prstGeom prst="rect">
+            <a:avLst/>
+          </a:prstGeom>
+          <a:noFill/>
+        </p:spPr>
+        <p:txBody>
+          <a:bodyPr wrap="square">
+            <a:spAutoFit/>
+          </a:bodyPr>
+          <a:lstStyle/>
+          <a:p>
+            <a:r>
+              <a:rPr lang="en-US" altLang="zh-CN" b="1" dirty="0">
+                <a:solidFill>
+                  <a:schemeClr val="tx1"/>
+                </a:solidFill>
+                <a:latin typeface="Palatino Linotype" panose="02040502050505030304" pitchFamily="18" charset="0"/>
+                <a:ea typeface="楷体" panose="02010609060101010101" pitchFamily="49" charset="-122"/>
+              </a:rPr>
+              <a:t>Tracking with LiDAR v2</a:t>
+            </a:r>
+            <a:endParaRPr lang="en-US" b="1" dirty="0"/>
+          </a:p>
+        </p:txBody>
+      </p:sp>
+      <p:cxnSp>
+        <p:nvCxnSpPr>
+          <p:cNvPr id="13" name="Straight Arrow Connector 12">
+            <a:extLst>
+              <a:ext uri="{FF2B5EF4-FFF2-40B4-BE49-F238E27FC236}">
+                <a16:creationId xmlns:a16="http://schemas.microsoft.com/office/drawing/2014/main" id="{A6C8F837-86ED-4BC9-9C43-7D5F7FE452C4}"/>
+              </a:ext>
+            </a:extLst>
+          </p:cNvPr>
+          <p:cNvCxnSpPr>
+            <a:cxnSpLocks/>
+            <a:stCxn id="8" idx="1"/>
+            <a:endCxn id="9" idx="3"/>
+          </p:cNvCxnSpPr>
+          <p:nvPr/>
+        </p:nvCxnSpPr>
+        <p:spPr>
+          <a:xfrm flipH="1">
+            <a:off x="8777182" y="618318"/>
+            <a:ext cx="716914" cy="0"/>
+          </a:xfrm>
+          <a:prstGeom prst="straightConnector1">
+            <a:avLst/>
+          </a:prstGeom>
+          <a:noFill/>
+          <a:ln w="19050">
+            <a:solidFill>
+              <a:schemeClr val="tx1"/>
+            </a:solidFill>
+            <a:tailEnd type="stealth" w="lg" len="lg"/>
+          </a:ln>
+        </p:spPr>
+        <p:style>
+          <a:lnRef idx="2">
+            <a:schemeClr val="accent1">
+              <a:shade val="50000"/>
+            </a:schemeClr>
+          </a:lnRef>
+          <a:fillRef idx="1">
+            <a:schemeClr val="accent1"/>
+          </a:fillRef>
+          <a:effectRef idx="0">
+            <a:schemeClr val="accent1"/>
+          </a:effectRef>
+          <a:fontRef idx="minor">
+            <a:schemeClr val="lt1"/>
+          </a:fontRef>
+        </p:style>
+      </p:cxnSp>
+      <p:sp>
+        <p:nvSpPr>
+          <p:cNvPr id="19" name="TextBox 18">
+            <a:extLst>
+              <a:ext uri="{FF2B5EF4-FFF2-40B4-BE49-F238E27FC236}">
+                <a16:creationId xmlns:a16="http://schemas.microsoft.com/office/drawing/2014/main" id="{01967D88-0BC2-41A8-8D5C-170F41201223}"/>
+              </a:ext>
+            </a:extLst>
+          </p:cNvPr>
+          <p:cNvSpPr txBox="1"/>
+          <p:nvPr/>
+        </p:nvSpPr>
+        <p:spPr>
+          <a:xfrm>
+            <a:off x="7442410" y="787595"/>
+            <a:ext cx="3513456" cy="338554"/>
+          </a:xfrm>
+          <a:prstGeom prst="rect">
+            <a:avLst/>
+          </a:prstGeom>
+          <a:noFill/>
+        </p:spPr>
+        <p:txBody>
+          <a:bodyPr wrap="square">
+            <a:spAutoFit/>
+          </a:bodyPr>
+          <a:lstStyle/>
+          <a:p>
+            <a:pPr algn="ctr"/>
+            <a:r>
+              <a:rPr lang="en-US" altLang="zh-CN" sz="1600" dirty="0">
+                <a:solidFill>
+                  <a:srgbClr val="FF0000"/>
+                </a:solidFill>
+                <a:latin typeface="Palatino Linotype" panose="02040502050505030304" pitchFamily="18" charset="0"/>
+                <a:ea typeface="楷体" panose="02010609060101010101" pitchFamily="49" charset="-122"/>
+              </a:rPr>
+              <a:t>Server(s) must start before client(s).</a:t>
+            </a:r>
+            <a:endParaRPr lang="en-US" sz="1600" dirty="0">
+              <a:solidFill>
+                <a:srgbClr val="FF0000"/>
+              </a:solidFill>
+            </a:endParaRPr>
+          </a:p>
+        </p:txBody>
+      </p:sp>
+      <p:cxnSp>
+        <p:nvCxnSpPr>
+          <p:cNvPr id="21" name="Connector: Elbow 20">
+            <a:extLst>
+              <a:ext uri="{FF2B5EF4-FFF2-40B4-BE49-F238E27FC236}">
+                <a16:creationId xmlns:a16="http://schemas.microsoft.com/office/drawing/2014/main" id="{8615C8BC-C2EC-4EDA-8980-3F205AB84EB1}"/>
+              </a:ext>
+            </a:extLst>
+          </p:cNvPr>
+          <p:cNvCxnSpPr>
+            <a:cxnSpLocks/>
+            <a:stCxn id="6" idx="1"/>
+            <a:endCxn id="3" idx="3"/>
+          </p:cNvCxnSpPr>
+          <p:nvPr/>
+        </p:nvCxnSpPr>
+        <p:spPr>
+          <a:xfrm rot="10800000">
+            <a:off x="2778288" y="2618005"/>
+            <a:ext cx="809307" cy="781050"/>
+          </a:xfrm>
+          <a:prstGeom prst="bentConnector3">
+            <a:avLst>
+              <a:gd name="adj1" fmla="val 50000"/>
+            </a:avLst>
+          </a:prstGeom>
+          <a:noFill/>
+          <a:ln w="19050">
+            <a:solidFill>
+              <a:schemeClr val="tx1"/>
+            </a:solidFill>
+            <a:tailEnd type="stealth" w="lg" len="lg"/>
+          </a:ln>
+        </p:spPr>
+        <p:style>
+          <a:lnRef idx="2">
+            <a:schemeClr val="accent1">
+              <a:shade val="50000"/>
+            </a:schemeClr>
+          </a:lnRef>
+          <a:fillRef idx="1">
+            <a:schemeClr val="accent1"/>
+          </a:fillRef>
+          <a:effectRef idx="0">
+            <a:schemeClr val="accent1"/>
+          </a:effectRef>
+          <a:fontRef idx="minor">
+            <a:schemeClr val="lt1"/>
+          </a:fontRef>
+        </p:style>
+      </p:cxnSp>
+      <p:cxnSp>
+        <p:nvCxnSpPr>
+          <p:cNvPr id="31" name="Connector: Elbow 30">
+            <a:extLst>
+              <a:ext uri="{FF2B5EF4-FFF2-40B4-BE49-F238E27FC236}">
+                <a16:creationId xmlns:a16="http://schemas.microsoft.com/office/drawing/2014/main" id="{1DE40E12-CDB5-4C03-B8FD-9E55B10114A3}"/>
+              </a:ext>
+            </a:extLst>
+          </p:cNvPr>
+          <p:cNvCxnSpPr>
+            <a:cxnSpLocks/>
+            <a:stCxn id="6" idx="3"/>
+            <a:endCxn id="5" idx="1"/>
+          </p:cNvCxnSpPr>
+          <p:nvPr/>
+        </p:nvCxnSpPr>
+        <p:spPr>
+          <a:xfrm flipV="1">
+            <a:off x="4847434" y="2618005"/>
+            <a:ext cx="809305" cy="781050"/>
+          </a:xfrm>
+          <a:prstGeom prst="bentConnector3">
+            <a:avLst>
+              <a:gd name="adj1" fmla="val 50000"/>
+            </a:avLst>
+          </a:prstGeom>
+          <a:noFill/>
+          <a:ln w="19050">
+            <a:solidFill>
+              <a:schemeClr val="tx1"/>
+            </a:solidFill>
+            <a:tailEnd type="stealth" w="lg" len="lg"/>
+          </a:ln>
+        </p:spPr>
+        <p:style>
+          <a:lnRef idx="2">
+            <a:schemeClr val="accent1">
+              <a:shade val="50000"/>
+            </a:schemeClr>
+          </a:lnRef>
+          <a:fillRef idx="1">
+            <a:schemeClr val="accent1"/>
+          </a:fillRef>
+          <a:effectRef idx="0">
+            <a:schemeClr val="accent1"/>
+          </a:effectRef>
+          <a:fontRef idx="minor">
+            <a:schemeClr val="lt1"/>
+          </a:fontRef>
+        </p:style>
+      </p:cxnSp>
+      <p:sp>
+        <p:nvSpPr>
+          <p:cNvPr id="36" name="TextBox 35">
+            <a:extLst>
+              <a:ext uri="{FF2B5EF4-FFF2-40B4-BE49-F238E27FC236}">
+                <a16:creationId xmlns:a16="http://schemas.microsoft.com/office/drawing/2014/main" id="{FE712140-898B-4E4F-984F-1CD50B06AD0F}"/>
+              </a:ext>
+            </a:extLst>
+          </p:cNvPr>
+          <p:cNvSpPr txBox="1"/>
+          <p:nvPr/>
+        </p:nvSpPr>
+        <p:spPr>
+          <a:xfrm>
+            <a:off x="2778288" y="2197421"/>
+            <a:ext cx="809306" cy="338554"/>
+          </a:xfrm>
+          <a:prstGeom prst="rect">
+            <a:avLst/>
+          </a:prstGeom>
+          <a:noFill/>
+        </p:spPr>
+        <p:txBody>
+          <a:bodyPr wrap="square">
+            <a:spAutoFit/>
+          </a:bodyPr>
+          <a:lstStyle/>
+          <a:p>
+            <a:pPr algn="ctr"/>
+            <a:r>
+              <a:rPr lang="en-US" altLang="zh-CN" sz="1600" dirty="0">
+                <a:solidFill>
+                  <a:schemeClr val="tx1"/>
+                </a:solidFill>
+                <a:latin typeface="Palatino Linotype" panose="02040502050505030304" pitchFamily="18" charset="0"/>
+                <a:ea typeface="楷体" panose="02010609060101010101" pitchFamily="49" charset="-122"/>
+              </a:rPr>
+              <a:t>Port A</a:t>
+            </a:r>
+            <a:endParaRPr lang="en-US" sz="1600" dirty="0"/>
+          </a:p>
+        </p:txBody>
+      </p:sp>
+      <p:sp>
+        <p:nvSpPr>
+          <p:cNvPr id="37" name="TextBox 36">
+            <a:extLst>
+              <a:ext uri="{FF2B5EF4-FFF2-40B4-BE49-F238E27FC236}">
+                <a16:creationId xmlns:a16="http://schemas.microsoft.com/office/drawing/2014/main" id="{5BC70AAB-147B-4D3D-8F06-87834F716C42}"/>
+              </a:ext>
+            </a:extLst>
+          </p:cNvPr>
+          <p:cNvSpPr txBox="1"/>
+          <p:nvPr/>
+        </p:nvSpPr>
+        <p:spPr>
+          <a:xfrm>
+            <a:off x="4861402" y="2215683"/>
+            <a:ext cx="809306" cy="338554"/>
+          </a:xfrm>
+          <a:prstGeom prst="rect">
+            <a:avLst/>
+          </a:prstGeom>
+          <a:noFill/>
+        </p:spPr>
+        <p:txBody>
+          <a:bodyPr wrap="square">
+            <a:spAutoFit/>
+          </a:bodyPr>
+          <a:lstStyle/>
+          <a:p>
+            <a:pPr algn="ctr"/>
+            <a:r>
+              <a:rPr lang="en-US" altLang="zh-CN" sz="1600" dirty="0">
+                <a:solidFill>
+                  <a:schemeClr val="tx1"/>
+                </a:solidFill>
+                <a:latin typeface="Palatino Linotype" panose="02040502050505030304" pitchFamily="18" charset="0"/>
+                <a:ea typeface="楷体" panose="02010609060101010101" pitchFamily="49" charset="-122"/>
+              </a:rPr>
+              <a:t>Port B</a:t>
+            </a:r>
+            <a:endParaRPr lang="en-US" sz="1600" dirty="0"/>
+          </a:p>
+        </p:txBody>
+      </p:sp>
+      <p:sp>
+        <p:nvSpPr>
+          <p:cNvPr id="41" name="TextBox 40">
+            <a:extLst>
+              <a:ext uri="{FF2B5EF4-FFF2-40B4-BE49-F238E27FC236}">
+                <a16:creationId xmlns:a16="http://schemas.microsoft.com/office/drawing/2014/main" id="{9CD218F2-303C-4EF8-A6F0-983344D9827C}"/>
+              </a:ext>
+            </a:extLst>
+          </p:cNvPr>
+          <p:cNvSpPr txBox="1"/>
+          <p:nvPr/>
+        </p:nvSpPr>
+        <p:spPr>
+          <a:xfrm>
+            <a:off x="8351415" y="183492"/>
+            <a:ext cx="809306" cy="338554"/>
+          </a:xfrm>
+          <a:prstGeom prst="rect">
+            <a:avLst/>
+          </a:prstGeom>
+          <a:noFill/>
+        </p:spPr>
+        <p:txBody>
+          <a:bodyPr wrap="square">
+            <a:spAutoFit/>
+          </a:bodyPr>
+          <a:lstStyle/>
+          <a:p>
+            <a:pPr algn="ctr"/>
+            <a:r>
+              <a:rPr lang="en-US" altLang="zh-CN" sz="1600" dirty="0">
+                <a:solidFill>
+                  <a:schemeClr val="tx1"/>
+                </a:solidFill>
+                <a:latin typeface="Palatino Linotype" panose="02040502050505030304" pitchFamily="18" charset="0"/>
+                <a:ea typeface="楷体" panose="02010609060101010101" pitchFamily="49" charset="-122"/>
+              </a:rPr>
+              <a:t>Port</a:t>
+            </a:r>
+            <a:endParaRPr lang="en-US" sz="1600" dirty="0"/>
+          </a:p>
+        </p:txBody>
+      </p:sp>
+      <p:sp>
+        <p:nvSpPr>
+          <p:cNvPr id="16" name="TextBox 15">
+            <a:extLst>
+              <a:ext uri="{FF2B5EF4-FFF2-40B4-BE49-F238E27FC236}">
+                <a16:creationId xmlns:a16="http://schemas.microsoft.com/office/drawing/2014/main" id="{69860A27-10FA-4F5D-96F6-E9F406F0B574}"/>
+              </a:ext>
+            </a:extLst>
+          </p:cNvPr>
+          <p:cNvSpPr txBox="1"/>
+          <p:nvPr/>
+        </p:nvSpPr>
+        <p:spPr>
+          <a:xfrm>
+            <a:off x="2096401" y="3375461"/>
+            <a:ext cx="1106756" cy="338554"/>
+          </a:xfrm>
+          <a:prstGeom prst="rect">
+            <a:avLst/>
+          </a:prstGeom>
+          <a:noFill/>
+        </p:spPr>
+        <p:txBody>
+          <a:bodyPr wrap="square">
+            <a:spAutoFit/>
+          </a:bodyPr>
+          <a:lstStyle/>
+          <a:p>
+            <a:pPr algn="ctr"/>
+            <a:r>
+              <a:rPr lang="en-US" altLang="zh-CN" sz="1600" dirty="0">
+                <a:solidFill>
+                  <a:schemeClr val="tx1"/>
+                </a:solidFill>
+                <a:latin typeface="Palatino Linotype" panose="02040502050505030304" pitchFamily="18" charset="0"/>
+                <a:ea typeface="楷体" panose="02010609060101010101" pitchFamily="49" charset="-122"/>
+              </a:rPr>
+              <a:t>Raw pc</a:t>
+            </a:r>
+            <a:endParaRPr lang="en-US" sz="1600" dirty="0"/>
+          </a:p>
+        </p:txBody>
+      </p:sp>
+      <p:sp>
+        <p:nvSpPr>
+          <p:cNvPr id="17" name="TextBox 16">
+            <a:extLst>
+              <a:ext uri="{FF2B5EF4-FFF2-40B4-BE49-F238E27FC236}">
+                <a16:creationId xmlns:a16="http://schemas.microsoft.com/office/drawing/2014/main" id="{F3110130-0B8E-4748-908A-0CD9DE815A8A}"/>
+              </a:ext>
+            </a:extLst>
+          </p:cNvPr>
+          <p:cNvSpPr txBox="1"/>
+          <p:nvPr/>
+        </p:nvSpPr>
+        <p:spPr>
+          <a:xfrm>
+            <a:off x="4939062" y="3375461"/>
+            <a:ext cx="1106756" cy="338554"/>
+          </a:xfrm>
+          <a:prstGeom prst="rect">
+            <a:avLst/>
+          </a:prstGeom>
+          <a:noFill/>
+        </p:spPr>
+        <p:txBody>
+          <a:bodyPr wrap="square">
+            <a:spAutoFit/>
+          </a:bodyPr>
+          <a:lstStyle/>
+          <a:p>
+            <a:pPr algn="ctr"/>
+            <a:r>
+              <a:rPr lang="en-US" altLang="zh-CN" sz="1600" dirty="0">
+                <a:solidFill>
+                  <a:schemeClr val="tx1"/>
+                </a:solidFill>
+                <a:latin typeface="Palatino Linotype" panose="02040502050505030304" pitchFamily="18" charset="0"/>
+                <a:ea typeface="楷体" panose="02010609060101010101" pitchFamily="49" charset="-122"/>
+              </a:rPr>
+              <a:t>xyz</a:t>
+            </a:r>
+            <a:endParaRPr lang="en-US" sz="1600" dirty="0"/>
+          </a:p>
+        </p:txBody>
+      </p:sp>
+      <p:cxnSp>
+        <p:nvCxnSpPr>
+          <p:cNvPr id="18" name="Connector: Elbow 17">
+            <a:extLst>
+              <a:ext uri="{FF2B5EF4-FFF2-40B4-BE49-F238E27FC236}">
+                <a16:creationId xmlns:a16="http://schemas.microsoft.com/office/drawing/2014/main" id="{9661DF07-0BC4-4C84-A405-E24D49D6DF5B}"/>
+              </a:ext>
+            </a:extLst>
+          </p:cNvPr>
+          <p:cNvCxnSpPr>
+            <a:cxnSpLocks/>
+            <a:stCxn id="5" idx="3"/>
+            <a:endCxn id="22" idx="3"/>
+          </p:cNvCxnSpPr>
+          <p:nvPr/>
+        </p:nvCxnSpPr>
+        <p:spPr>
+          <a:xfrm>
+            <a:off x="11046090" y="2618005"/>
+            <a:ext cx="12700" cy="1853466"/>
+          </a:xfrm>
+          <a:prstGeom prst="bentConnector3">
+            <a:avLst>
+              <a:gd name="adj1" fmla="val 1800000"/>
+            </a:avLst>
+          </a:prstGeom>
+          <a:noFill/>
+          <a:ln w="19050">
+            <a:solidFill>
+              <a:schemeClr val="tx1"/>
+            </a:solidFill>
+            <a:tailEnd type="stealth" w="lg" len="lg"/>
+          </a:ln>
+        </p:spPr>
+        <p:style>
+          <a:lnRef idx="2">
+            <a:schemeClr val="accent1">
+              <a:shade val="50000"/>
+            </a:schemeClr>
+          </a:lnRef>
+          <a:fillRef idx="1">
+            <a:schemeClr val="accent1"/>
+          </a:fillRef>
+          <a:effectRef idx="0">
+            <a:schemeClr val="accent1"/>
+          </a:effectRef>
+          <a:fontRef idx="minor">
+            <a:schemeClr val="lt1"/>
+          </a:fontRef>
+        </p:style>
+      </p:cxnSp>
+      <p:sp>
+        <p:nvSpPr>
+          <p:cNvPr id="22" name="Rectangle: Rounded Corners 21">
+            <a:extLst>
+              <a:ext uri="{FF2B5EF4-FFF2-40B4-BE49-F238E27FC236}">
+                <a16:creationId xmlns:a16="http://schemas.microsoft.com/office/drawing/2014/main" id="{5B4AF613-FDCA-4FEE-BE1B-70AEF99432FB}"/>
+              </a:ext>
+            </a:extLst>
+          </p:cNvPr>
+          <p:cNvSpPr/>
+          <p:nvPr/>
+        </p:nvSpPr>
+        <p:spPr>
+          <a:xfrm>
+            <a:off x="5656740" y="4156511"/>
+            <a:ext cx="5389350" cy="629920"/>
+          </a:xfrm>
+          <a:prstGeom prst="roundRect">
+            <a:avLst>
+              <a:gd name="adj" fmla="val 9409"/>
+            </a:avLst>
+          </a:prstGeom>
+          <a:noFill/>
+          <a:ln w="19050">
+            <a:solidFill>
+              <a:schemeClr val="tx1"/>
+            </a:solidFill>
+          </a:ln>
+        </p:spPr>
+        <p:style>
+          <a:lnRef idx="2">
+            <a:schemeClr val="accent1">
+              <a:shade val="50000"/>
+            </a:schemeClr>
+          </a:lnRef>
+          <a:fillRef idx="1">
+            <a:schemeClr val="accent1"/>
+          </a:fillRef>
+          <a:effectRef idx="0">
+            <a:schemeClr val="accent1"/>
+          </a:effectRef>
+          <a:fontRef idx="minor">
+            <a:schemeClr val="lt1"/>
+          </a:fontRef>
+        </p:style>
+        <p:txBody>
+          <a:bodyPr rtlCol="0" anchor="ctr"/>
+          <a:lstStyle/>
+          <a:p>
+            <a:pPr algn="ctr"/>
+            <a:r>
+              <a:rPr lang="en-US" sz="1600" b="1" dirty="0">
+                <a:solidFill>
+                  <a:schemeClr val="tx1"/>
+                </a:solidFill>
+                <a:latin typeface="Palatino Linotype" panose="02040502050505030304" pitchFamily="18" charset="0"/>
+                <a:ea typeface="楷体" panose="02010609060101010101" pitchFamily="49" charset="-122"/>
+              </a:rPr>
+              <a:t>./MATLAB/</a:t>
+            </a:r>
+            <a:r>
+              <a:rPr lang="en-US" sz="1600" b="1" dirty="0" err="1">
+                <a:solidFill>
+                  <a:schemeClr val="tx1"/>
+                </a:solidFill>
+                <a:latin typeface="Palatino Linotype" panose="02040502050505030304" pitchFamily="18" charset="0"/>
+                <a:ea typeface="楷体" panose="02010609060101010101" pitchFamily="49" charset="-122"/>
+              </a:rPr>
+              <a:t>beam_control_with_LiDAR_Receiver.m</a:t>
+            </a:r>
+            <a:endParaRPr lang="en-US" sz="1600" b="1" dirty="0">
+              <a:solidFill>
+                <a:schemeClr val="tx1"/>
+              </a:solidFill>
+              <a:latin typeface="Palatino Linotype" panose="02040502050505030304" pitchFamily="18" charset="0"/>
+              <a:ea typeface="楷体" panose="02010609060101010101" pitchFamily="49" charset="-122"/>
+            </a:endParaRPr>
+          </a:p>
+        </p:txBody>
+      </p:sp>
+      <p:sp>
+        <p:nvSpPr>
+          <p:cNvPr id="26" name="TextBox 25">
+            <a:extLst>
+              <a:ext uri="{FF2B5EF4-FFF2-40B4-BE49-F238E27FC236}">
+                <a16:creationId xmlns:a16="http://schemas.microsoft.com/office/drawing/2014/main" id="{E0EE968D-2E52-4276-88BE-16558E83C653}"/>
+              </a:ext>
+            </a:extLst>
+          </p:cNvPr>
+          <p:cNvSpPr txBox="1"/>
+          <p:nvPr/>
+        </p:nvSpPr>
+        <p:spPr>
+          <a:xfrm>
+            <a:off x="9987201" y="3375461"/>
+            <a:ext cx="1106756" cy="338554"/>
+          </a:xfrm>
+          <a:prstGeom prst="rect">
+            <a:avLst/>
+          </a:prstGeom>
+          <a:noFill/>
+        </p:spPr>
+        <p:txBody>
+          <a:bodyPr wrap="square">
+            <a:spAutoFit/>
+          </a:bodyPr>
+          <a:lstStyle/>
+          <a:p>
+            <a:pPr algn="ctr"/>
+            <a:r>
+              <a:rPr lang="en-US" sz="1600" dirty="0" err="1">
+                <a:latin typeface="Palatino Linotype" panose="02040502050505030304" pitchFamily="18" charset="0"/>
+                <a:ea typeface="楷体" panose="02010609060101010101" pitchFamily="49" charset="-122"/>
+              </a:rPr>
+              <a:t>theta_r</a:t>
+            </a:r>
+            <a:endParaRPr lang="en-US" sz="1600" dirty="0"/>
+          </a:p>
+        </p:txBody>
+      </p:sp>
+      <p:sp>
+        <p:nvSpPr>
+          <p:cNvPr id="27" name="TextBox 26">
+            <a:extLst>
+              <a:ext uri="{FF2B5EF4-FFF2-40B4-BE49-F238E27FC236}">
+                <a16:creationId xmlns:a16="http://schemas.microsoft.com/office/drawing/2014/main" id="{BD1955C7-839C-400E-91EC-A1DB1EAC479D}"/>
+              </a:ext>
+            </a:extLst>
+          </p:cNvPr>
+          <p:cNvSpPr txBox="1"/>
+          <p:nvPr/>
+        </p:nvSpPr>
+        <p:spPr>
+          <a:xfrm>
+            <a:off x="11032121" y="2279451"/>
+            <a:ext cx="809306" cy="338554"/>
+          </a:xfrm>
+          <a:prstGeom prst="rect">
+            <a:avLst/>
+          </a:prstGeom>
+          <a:noFill/>
+        </p:spPr>
+        <p:txBody>
+          <a:bodyPr wrap="square">
+            <a:spAutoFit/>
+          </a:bodyPr>
+          <a:lstStyle/>
+          <a:p>
+            <a:pPr algn="ctr"/>
+            <a:r>
+              <a:rPr lang="en-US" altLang="zh-CN" sz="1600" dirty="0">
+                <a:solidFill>
+                  <a:schemeClr val="tx1"/>
+                </a:solidFill>
+                <a:latin typeface="Palatino Linotype" panose="02040502050505030304" pitchFamily="18" charset="0"/>
+                <a:ea typeface="楷体" panose="02010609060101010101" pitchFamily="49" charset="-122"/>
+              </a:rPr>
+              <a:t>Port C</a:t>
+            </a:r>
+            <a:endParaRPr lang="en-US" sz="1600" dirty="0"/>
+          </a:p>
+        </p:txBody>
+      </p:sp>
+    </p:spTree>
+    <p:extLst>
+      <p:ext uri="{BB962C8B-B14F-4D97-AF65-F5344CB8AC3E}">
+        <p14:creationId xmlns:p14="http://schemas.microsoft.com/office/powerpoint/2010/main" val="691665869"/>
+      </p:ext>
+    </p:extLst>
+  </p:cSld>
+  <p:clrMapOvr>
+    <a:masterClrMapping/>
+  </p:clrMapOvr>
+</p:sld>
+</file>
+
+<file path=ppt/slides/slide3.xml><?xml version="1.0" encoding="utf-8"?>
 <p:sld xmlns:a="http://schemas.openxmlformats.org/drawingml/2006/main" xmlns:r="http://schemas.openxmlformats.org/officeDocument/2006/relationships" xmlns:p="http://schemas.openxmlformats.org/presentationml/2006/main">
   <p:cSld>
     <p:spTree>
